--- a/Lecture Slides/VideoLectureSlides/4.5.pptx
+++ b/Lecture Slides/VideoLectureSlides/4.5.pptx
@@ -29,7 +29,7 @@
     <p:sldId id="325" r:id="rId23"/>
     <p:sldId id="329" r:id="rId24"/>
     <p:sldId id="287" r:id="rId25"/>
-    <p:sldId id="298" r:id="rId26"/>
+    <p:sldId id="333" r:id="rId26"/>
     <p:sldId id="299" r:id="rId27"/>
     <p:sldId id="303" r:id="rId28"/>
   </p:sldIdLst>
@@ -173,6 +173,144 @@
 
 <file path=ppt/changesInfos/changesInfo1.xml><?xml version="1.0" encoding="utf-8"?>
 <pc:chgInfo xmlns:a="http://schemas.openxmlformats.org/drawingml/2006/main" xmlns:r="http://schemas.openxmlformats.org/officeDocument/2006/relationships" xmlns:ac="http://schemas.microsoft.com/office/drawing/2013/main/command" xmlns:pc="http://schemas.microsoft.com/office/powerpoint/2013/main/command">
+  <pc:docChgLst>
+    <pc:chgData name="Moore, Jacob Preston" userId="fdd3fd0f-c483-48c9-988d-7deb216763fd" providerId="ADAL" clId="{97589F30-6165-41DE-9FED-5D070AE58AB5}"/>
+    <pc:docChg chg="custSel modSld sldOrd">
+      <pc:chgData name="Moore, Jacob Preston" userId="fdd3fd0f-c483-48c9-988d-7deb216763fd" providerId="ADAL" clId="{97589F30-6165-41DE-9FED-5D070AE58AB5}" dt="2020-10-01T16:09:52.273" v="175" actId="20577"/>
+      <pc:docMkLst>
+        <pc:docMk/>
+      </pc:docMkLst>
+      <pc:sldChg chg="modSp ord modAnim">
+        <pc:chgData name="Moore, Jacob Preston" userId="fdd3fd0f-c483-48c9-988d-7deb216763fd" providerId="ADAL" clId="{97589F30-6165-41DE-9FED-5D070AE58AB5}" dt="2020-10-01T16:06:04.455" v="171" actId="20577"/>
+        <pc:sldMkLst>
+          <pc:docMk/>
+          <pc:sldMk cId="284463900" sldId="291"/>
+        </pc:sldMkLst>
+        <pc:spChg chg="mod">
+          <ac:chgData name="Moore, Jacob Preston" userId="fdd3fd0f-c483-48c9-988d-7deb216763fd" providerId="ADAL" clId="{97589F30-6165-41DE-9FED-5D070AE58AB5}" dt="2020-10-01T16:06:04.455" v="171" actId="20577"/>
+          <ac:spMkLst>
+            <pc:docMk/>
+            <pc:sldMk cId="284463900" sldId="291"/>
+            <ac:spMk id="3" creationId="{00000000-0000-0000-0000-000000000000}"/>
+          </ac:spMkLst>
+        </pc:spChg>
+      </pc:sldChg>
+      <pc:sldChg chg="modSp">
+        <pc:chgData name="Moore, Jacob Preston" userId="fdd3fd0f-c483-48c9-988d-7deb216763fd" providerId="ADAL" clId="{97589F30-6165-41DE-9FED-5D070AE58AB5}" dt="2020-10-01T16:08:20.593" v="172" actId="20577"/>
+        <pc:sldMkLst>
+          <pc:docMk/>
+          <pc:sldMk cId="3347748465" sldId="295"/>
+        </pc:sldMkLst>
+        <pc:spChg chg="mod">
+          <ac:chgData name="Moore, Jacob Preston" userId="fdd3fd0f-c483-48c9-988d-7deb216763fd" providerId="ADAL" clId="{97589F30-6165-41DE-9FED-5D070AE58AB5}" dt="2020-10-01T16:08:20.593" v="172" actId="20577"/>
+          <ac:spMkLst>
+            <pc:docMk/>
+            <pc:sldMk cId="3347748465" sldId="295"/>
+            <ac:spMk id="3" creationId="{00000000-0000-0000-0000-000000000000}"/>
+          </ac:spMkLst>
+        </pc:spChg>
+      </pc:sldChg>
+      <pc:sldChg chg="modSp modAnim">
+        <pc:chgData name="Moore, Jacob Preston" userId="fdd3fd0f-c483-48c9-988d-7deb216763fd" providerId="ADAL" clId="{97589F30-6165-41DE-9FED-5D070AE58AB5}" dt="2020-10-01T16:09:45.376" v="174" actId="20577"/>
+        <pc:sldMkLst>
+          <pc:docMk/>
+          <pc:sldMk cId="324506492" sldId="326"/>
+        </pc:sldMkLst>
+        <pc:spChg chg="mod">
+          <ac:chgData name="Moore, Jacob Preston" userId="fdd3fd0f-c483-48c9-988d-7deb216763fd" providerId="ADAL" clId="{97589F30-6165-41DE-9FED-5D070AE58AB5}" dt="2020-10-01T16:09:45.376" v="174" actId="20577"/>
+          <ac:spMkLst>
+            <pc:docMk/>
+            <pc:sldMk cId="324506492" sldId="326"/>
+            <ac:spMk id="2" creationId="{00000000-0000-0000-0000-000000000000}"/>
+          </ac:spMkLst>
+        </pc:spChg>
+      </pc:sldChg>
+      <pc:sldChg chg="modSp modAnim">
+        <pc:chgData name="Moore, Jacob Preston" userId="fdd3fd0f-c483-48c9-988d-7deb216763fd" providerId="ADAL" clId="{97589F30-6165-41DE-9FED-5D070AE58AB5}" dt="2020-10-01T16:08:44.442" v="173" actId="20577"/>
+        <pc:sldMkLst>
+          <pc:docMk/>
+          <pc:sldMk cId="2331270498" sldId="327"/>
+        </pc:sldMkLst>
+        <pc:spChg chg="mod">
+          <ac:chgData name="Moore, Jacob Preston" userId="fdd3fd0f-c483-48c9-988d-7deb216763fd" providerId="ADAL" clId="{97589F30-6165-41DE-9FED-5D070AE58AB5}" dt="2020-10-01T16:08:44.442" v="173" actId="20577"/>
+          <ac:spMkLst>
+            <pc:docMk/>
+            <pc:sldMk cId="2331270498" sldId="327"/>
+            <ac:spMk id="2" creationId="{00000000-0000-0000-0000-000000000000}"/>
+          </ac:spMkLst>
+        </pc:spChg>
+        <pc:spChg chg="mod">
+          <ac:chgData name="Moore, Jacob Preston" userId="fdd3fd0f-c483-48c9-988d-7deb216763fd" providerId="ADAL" clId="{97589F30-6165-41DE-9FED-5D070AE58AB5}" dt="2020-09-22T15:06:44.309" v="7" actId="20577"/>
+          <ac:spMkLst>
+            <pc:docMk/>
+            <pc:sldMk cId="2331270498" sldId="327"/>
+            <ac:spMk id="5" creationId="{920767DD-5E31-4253-A503-34450E648B78}"/>
+          </ac:spMkLst>
+        </pc:spChg>
+      </pc:sldChg>
+      <pc:sldChg chg="modSp modAnim">
+        <pc:chgData name="Moore, Jacob Preston" userId="fdd3fd0f-c483-48c9-988d-7deb216763fd" providerId="ADAL" clId="{97589F30-6165-41DE-9FED-5D070AE58AB5}" dt="2020-10-01T16:09:52.273" v="175" actId="20577"/>
+        <pc:sldMkLst>
+          <pc:docMk/>
+          <pc:sldMk cId="1803610721" sldId="328"/>
+        </pc:sldMkLst>
+        <pc:spChg chg="mod">
+          <ac:chgData name="Moore, Jacob Preston" userId="fdd3fd0f-c483-48c9-988d-7deb216763fd" providerId="ADAL" clId="{97589F30-6165-41DE-9FED-5D070AE58AB5}" dt="2020-10-01T16:09:52.273" v="175" actId="20577"/>
+          <ac:spMkLst>
+            <pc:docMk/>
+            <pc:sldMk cId="1803610721" sldId="328"/>
+            <ac:spMk id="2" creationId="{00000000-0000-0000-0000-000000000000}"/>
+          </ac:spMkLst>
+        </pc:spChg>
+        <pc:spChg chg="mod">
+          <ac:chgData name="Moore, Jacob Preston" userId="fdd3fd0f-c483-48c9-988d-7deb216763fd" providerId="ADAL" clId="{97589F30-6165-41DE-9FED-5D070AE58AB5}" dt="2020-09-22T15:07:24.690" v="37" actId="313"/>
+          <ac:spMkLst>
+            <pc:docMk/>
+            <pc:sldMk cId="1803610721" sldId="328"/>
+            <ac:spMk id="3" creationId="{00000000-0000-0000-0000-000000000000}"/>
+          </ac:spMkLst>
+        </pc:spChg>
+        <pc:spChg chg="mod">
+          <ac:chgData name="Moore, Jacob Preston" userId="fdd3fd0f-c483-48c9-988d-7deb216763fd" providerId="ADAL" clId="{97589F30-6165-41DE-9FED-5D070AE58AB5}" dt="2020-09-22T15:07:38.074" v="40" actId="1038"/>
+          <ac:spMkLst>
+            <pc:docMk/>
+            <pc:sldMk cId="1803610721" sldId="328"/>
+            <ac:spMk id="8" creationId="{AFA34819-5B55-4D3C-B03C-F4EC539119A3}"/>
+          </ac:spMkLst>
+        </pc:spChg>
+      </pc:sldChg>
+      <pc:sldChg chg="modSp modAnim">
+        <pc:chgData name="Moore, Jacob Preston" userId="fdd3fd0f-c483-48c9-988d-7deb216763fd" providerId="ADAL" clId="{97589F30-6165-41DE-9FED-5D070AE58AB5}" dt="2020-09-22T15:11:28.552" v="161" actId="15"/>
+        <pc:sldMkLst>
+          <pc:docMk/>
+          <pc:sldMk cId="3527676967" sldId="329"/>
+        </pc:sldMkLst>
+        <pc:spChg chg="mod">
+          <ac:chgData name="Moore, Jacob Preston" userId="fdd3fd0f-c483-48c9-988d-7deb216763fd" providerId="ADAL" clId="{97589F30-6165-41DE-9FED-5D070AE58AB5}" dt="2020-09-22T15:10:48.697" v="73" actId="20577"/>
+          <ac:spMkLst>
+            <pc:docMk/>
+            <pc:sldMk cId="3527676967" sldId="329"/>
+            <ac:spMk id="2" creationId="{00000000-0000-0000-0000-000000000000}"/>
+          </ac:spMkLst>
+        </pc:spChg>
+        <pc:spChg chg="mod">
+          <ac:chgData name="Moore, Jacob Preston" userId="fdd3fd0f-c483-48c9-988d-7deb216763fd" providerId="ADAL" clId="{97589F30-6165-41DE-9FED-5D070AE58AB5}" dt="2020-09-22T15:11:28.552" v="161" actId="15"/>
+          <ac:spMkLst>
+            <pc:docMk/>
+            <pc:sldMk cId="3527676967" sldId="329"/>
+            <ac:spMk id="3" creationId="{00000000-0000-0000-0000-000000000000}"/>
+          </ac:spMkLst>
+        </pc:spChg>
+      </pc:sldChg>
+      <pc:sldChg chg="modAnim">
+        <pc:chgData name="Moore, Jacob Preston" userId="fdd3fd0f-c483-48c9-988d-7deb216763fd" providerId="ADAL" clId="{97589F30-6165-41DE-9FED-5D070AE58AB5}" dt="2020-09-22T15:08:52.216" v="46"/>
+        <pc:sldMkLst>
+          <pc:docMk/>
+          <pc:sldMk cId="2668933713" sldId="330"/>
+        </pc:sldMkLst>
+      </pc:sldChg>
+    </pc:docChg>
+  </pc:docChgLst>
   <pc:docChgLst>
     <pc:chgData name="Moore, Jacob Preston" userId="fdd3fd0f-c483-48c9-988d-7deb216763fd" providerId="ADAL" clId="{A59CBCED-7092-4544-9E0C-8C935690C011}"/>
     <pc:docChg chg="custSel addSld delSld modSld sldOrd">
@@ -656,144 +794,6 @@
       </pc:sldChg>
     </pc:docChg>
   </pc:docChgLst>
-  <pc:docChgLst>
-    <pc:chgData name="Moore, Jacob Preston" userId="fdd3fd0f-c483-48c9-988d-7deb216763fd" providerId="ADAL" clId="{97589F30-6165-41DE-9FED-5D070AE58AB5}"/>
-    <pc:docChg chg="custSel modSld sldOrd">
-      <pc:chgData name="Moore, Jacob Preston" userId="fdd3fd0f-c483-48c9-988d-7deb216763fd" providerId="ADAL" clId="{97589F30-6165-41DE-9FED-5D070AE58AB5}" dt="2020-10-01T16:09:52.273" v="175" actId="20577"/>
-      <pc:docMkLst>
-        <pc:docMk/>
-      </pc:docMkLst>
-      <pc:sldChg chg="modSp ord modAnim">
-        <pc:chgData name="Moore, Jacob Preston" userId="fdd3fd0f-c483-48c9-988d-7deb216763fd" providerId="ADAL" clId="{97589F30-6165-41DE-9FED-5D070AE58AB5}" dt="2020-10-01T16:06:04.455" v="171" actId="20577"/>
-        <pc:sldMkLst>
-          <pc:docMk/>
-          <pc:sldMk cId="284463900" sldId="291"/>
-        </pc:sldMkLst>
-        <pc:spChg chg="mod">
-          <ac:chgData name="Moore, Jacob Preston" userId="fdd3fd0f-c483-48c9-988d-7deb216763fd" providerId="ADAL" clId="{97589F30-6165-41DE-9FED-5D070AE58AB5}" dt="2020-10-01T16:06:04.455" v="171" actId="20577"/>
-          <ac:spMkLst>
-            <pc:docMk/>
-            <pc:sldMk cId="284463900" sldId="291"/>
-            <ac:spMk id="3" creationId="{00000000-0000-0000-0000-000000000000}"/>
-          </ac:spMkLst>
-        </pc:spChg>
-      </pc:sldChg>
-      <pc:sldChg chg="modSp">
-        <pc:chgData name="Moore, Jacob Preston" userId="fdd3fd0f-c483-48c9-988d-7deb216763fd" providerId="ADAL" clId="{97589F30-6165-41DE-9FED-5D070AE58AB5}" dt="2020-10-01T16:08:20.593" v="172" actId="20577"/>
-        <pc:sldMkLst>
-          <pc:docMk/>
-          <pc:sldMk cId="3347748465" sldId="295"/>
-        </pc:sldMkLst>
-        <pc:spChg chg="mod">
-          <ac:chgData name="Moore, Jacob Preston" userId="fdd3fd0f-c483-48c9-988d-7deb216763fd" providerId="ADAL" clId="{97589F30-6165-41DE-9FED-5D070AE58AB5}" dt="2020-10-01T16:08:20.593" v="172" actId="20577"/>
-          <ac:spMkLst>
-            <pc:docMk/>
-            <pc:sldMk cId="3347748465" sldId="295"/>
-            <ac:spMk id="3" creationId="{00000000-0000-0000-0000-000000000000}"/>
-          </ac:spMkLst>
-        </pc:spChg>
-      </pc:sldChg>
-      <pc:sldChg chg="modSp modAnim">
-        <pc:chgData name="Moore, Jacob Preston" userId="fdd3fd0f-c483-48c9-988d-7deb216763fd" providerId="ADAL" clId="{97589F30-6165-41DE-9FED-5D070AE58AB5}" dt="2020-10-01T16:09:45.376" v="174" actId="20577"/>
-        <pc:sldMkLst>
-          <pc:docMk/>
-          <pc:sldMk cId="324506492" sldId="326"/>
-        </pc:sldMkLst>
-        <pc:spChg chg="mod">
-          <ac:chgData name="Moore, Jacob Preston" userId="fdd3fd0f-c483-48c9-988d-7deb216763fd" providerId="ADAL" clId="{97589F30-6165-41DE-9FED-5D070AE58AB5}" dt="2020-10-01T16:09:45.376" v="174" actId="20577"/>
-          <ac:spMkLst>
-            <pc:docMk/>
-            <pc:sldMk cId="324506492" sldId="326"/>
-            <ac:spMk id="2" creationId="{00000000-0000-0000-0000-000000000000}"/>
-          </ac:spMkLst>
-        </pc:spChg>
-      </pc:sldChg>
-      <pc:sldChg chg="modSp modAnim">
-        <pc:chgData name="Moore, Jacob Preston" userId="fdd3fd0f-c483-48c9-988d-7deb216763fd" providerId="ADAL" clId="{97589F30-6165-41DE-9FED-5D070AE58AB5}" dt="2020-10-01T16:08:44.442" v="173" actId="20577"/>
-        <pc:sldMkLst>
-          <pc:docMk/>
-          <pc:sldMk cId="2331270498" sldId="327"/>
-        </pc:sldMkLst>
-        <pc:spChg chg="mod">
-          <ac:chgData name="Moore, Jacob Preston" userId="fdd3fd0f-c483-48c9-988d-7deb216763fd" providerId="ADAL" clId="{97589F30-6165-41DE-9FED-5D070AE58AB5}" dt="2020-10-01T16:08:44.442" v="173" actId="20577"/>
-          <ac:spMkLst>
-            <pc:docMk/>
-            <pc:sldMk cId="2331270498" sldId="327"/>
-            <ac:spMk id="2" creationId="{00000000-0000-0000-0000-000000000000}"/>
-          </ac:spMkLst>
-        </pc:spChg>
-        <pc:spChg chg="mod">
-          <ac:chgData name="Moore, Jacob Preston" userId="fdd3fd0f-c483-48c9-988d-7deb216763fd" providerId="ADAL" clId="{97589F30-6165-41DE-9FED-5D070AE58AB5}" dt="2020-09-22T15:06:44.309" v="7" actId="20577"/>
-          <ac:spMkLst>
-            <pc:docMk/>
-            <pc:sldMk cId="2331270498" sldId="327"/>
-            <ac:spMk id="5" creationId="{920767DD-5E31-4253-A503-34450E648B78}"/>
-          </ac:spMkLst>
-        </pc:spChg>
-      </pc:sldChg>
-      <pc:sldChg chg="modSp modAnim">
-        <pc:chgData name="Moore, Jacob Preston" userId="fdd3fd0f-c483-48c9-988d-7deb216763fd" providerId="ADAL" clId="{97589F30-6165-41DE-9FED-5D070AE58AB5}" dt="2020-10-01T16:09:52.273" v="175" actId="20577"/>
-        <pc:sldMkLst>
-          <pc:docMk/>
-          <pc:sldMk cId="1803610721" sldId="328"/>
-        </pc:sldMkLst>
-        <pc:spChg chg="mod">
-          <ac:chgData name="Moore, Jacob Preston" userId="fdd3fd0f-c483-48c9-988d-7deb216763fd" providerId="ADAL" clId="{97589F30-6165-41DE-9FED-5D070AE58AB5}" dt="2020-10-01T16:09:52.273" v="175" actId="20577"/>
-          <ac:spMkLst>
-            <pc:docMk/>
-            <pc:sldMk cId="1803610721" sldId="328"/>
-            <ac:spMk id="2" creationId="{00000000-0000-0000-0000-000000000000}"/>
-          </ac:spMkLst>
-        </pc:spChg>
-        <pc:spChg chg="mod">
-          <ac:chgData name="Moore, Jacob Preston" userId="fdd3fd0f-c483-48c9-988d-7deb216763fd" providerId="ADAL" clId="{97589F30-6165-41DE-9FED-5D070AE58AB5}" dt="2020-09-22T15:07:24.690" v="37" actId="313"/>
-          <ac:spMkLst>
-            <pc:docMk/>
-            <pc:sldMk cId="1803610721" sldId="328"/>
-            <ac:spMk id="3" creationId="{00000000-0000-0000-0000-000000000000}"/>
-          </ac:spMkLst>
-        </pc:spChg>
-        <pc:spChg chg="mod">
-          <ac:chgData name="Moore, Jacob Preston" userId="fdd3fd0f-c483-48c9-988d-7deb216763fd" providerId="ADAL" clId="{97589F30-6165-41DE-9FED-5D070AE58AB5}" dt="2020-09-22T15:07:38.074" v="40" actId="1038"/>
-          <ac:spMkLst>
-            <pc:docMk/>
-            <pc:sldMk cId="1803610721" sldId="328"/>
-            <ac:spMk id="8" creationId="{AFA34819-5B55-4D3C-B03C-F4EC539119A3}"/>
-          </ac:spMkLst>
-        </pc:spChg>
-      </pc:sldChg>
-      <pc:sldChg chg="modSp modAnim">
-        <pc:chgData name="Moore, Jacob Preston" userId="fdd3fd0f-c483-48c9-988d-7deb216763fd" providerId="ADAL" clId="{97589F30-6165-41DE-9FED-5D070AE58AB5}" dt="2020-09-22T15:11:28.552" v="161" actId="15"/>
-        <pc:sldMkLst>
-          <pc:docMk/>
-          <pc:sldMk cId="3527676967" sldId="329"/>
-        </pc:sldMkLst>
-        <pc:spChg chg="mod">
-          <ac:chgData name="Moore, Jacob Preston" userId="fdd3fd0f-c483-48c9-988d-7deb216763fd" providerId="ADAL" clId="{97589F30-6165-41DE-9FED-5D070AE58AB5}" dt="2020-09-22T15:10:48.697" v="73" actId="20577"/>
-          <ac:spMkLst>
-            <pc:docMk/>
-            <pc:sldMk cId="3527676967" sldId="329"/>
-            <ac:spMk id="2" creationId="{00000000-0000-0000-0000-000000000000}"/>
-          </ac:spMkLst>
-        </pc:spChg>
-        <pc:spChg chg="mod">
-          <ac:chgData name="Moore, Jacob Preston" userId="fdd3fd0f-c483-48c9-988d-7deb216763fd" providerId="ADAL" clId="{97589F30-6165-41DE-9FED-5D070AE58AB5}" dt="2020-09-22T15:11:28.552" v="161" actId="15"/>
-          <ac:spMkLst>
-            <pc:docMk/>
-            <pc:sldMk cId="3527676967" sldId="329"/>
-            <ac:spMk id="3" creationId="{00000000-0000-0000-0000-000000000000}"/>
-          </ac:spMkLst>
-        </pc:spChg>
-      </pc:sldChg>
-      <pc:sldChg chg="modAnim">
-        <pc:chgData name="Moore, Jacob Preston" userId="fdd3fd0f-c483-48c9-988d-7deb216763fd" providerId="ADAL" clId="{97589F30-6165-41DE-9FED-5D070AE58AB5}" dt="2020-09-22T15:08:52.216" v="46"/>
-        <pc:sldMkLst>
-          <pc:docMk/>
-          <pc:sldMk cId="2668933713" sldId="330"/>
-        </pc:sldMkLst>
-      </pc:sldChg>
-    </pc:docChg>
-  </pc:docChgLst>
 </pc:chgInfo>
 </file>
 
@@ -879,7 +879,7 @@
           <a:p>
             <a:fld id="{1AA1AB63-216F-4D5B-8811-CCB935E98D4A}" type="datetimeFigureOut">
               <a:rPr lang="en-US" smtClean="0"/>
-              <a:t>10/1/2020</a:t>
+              <a:t>10/29/2021</a:t>
             </a:fld>
             <a:endParaRPr lang="en-US"/>
           </a:p>
@@ -12844,7 +12844,7 @@
           <a:p>
             <a:r>
               <a:rPr lang="en-US" dirty="0"/>
-              <a:t>Determine the magnitude and location of the equivalent point load for the distributed force shown below.</a:t>
+              <a:t>Determine the magnitude and location of the equivalent point load for the distributed force shown below using composite parts.</a:t>
             </a:r>
           </a:p>
         </p:txBody>
@@ -13373,7 +13373,7 @@
     </p:spTree>
     <p:extLst>
       <p:ext uri="{BB962C8B-B14F-4D97-AF65-F5344CB8AC3E}">
-        <p14:creationId xmlns:p14="http://schemas.microsoft.com/office/powerpoint/2010/main" val="168732013"/>
+        <p14:creationId xmlns:p14="http://schemas.microsoft.com/office/powerpoint/2010/main" val="3247863558"/>
       </p:ext>
     </p:extLst>
   </p:cSld>
@@ -13448,15 +13448,7 @@
           <a:p>
             <a:r>
               <a:rPr lang="en-US" dirty="0"/>
-              <a:t>Determine the magnitude and location of the equivalent point load for the </a:t>
-            </a:r>
-            <a:r>
-              <a:rPr lang="en-US" u="sng" dirty="0"/>
-              <a:t>parabolic</a:t>
-            </a:r>
-            <a:r>
-              <a:rPr lang="en-US" dirty="0"/>
-              <a:t> distributed force shown below. (assume a slope of zero at the wall)</a:t>
+              <a:t>Determine the magnitude and location of the equivalent point load for the parabolic distributed force shown below. (assume a slope of zero at the wall)</a:t>
             </a:r>
           </a:p>
         </p:txBody>
@@ -13975,7 +13967,7 @@
           <a:p>
             <a:r>
               <a:rPr lang="en-US" dirty="0"/>
-              <a:t>Determine the magnitude and the location of the equivalent point load for the distributed force shown below. </a:t>
+              <a:t>Determine the magnitude and location of the equivalent point load for the distributed force shown below using integration.</a:t>
             </a:r>
           </a:p>
         </p:txBody>

--- a/Lecture Slides/VideoLectureSlides/4.5.pptx
+++ b/Lecture Slides/VideoLectureSlides/4.5.pptx
@@ -5,7 +5,7 @@
     <p:sldMasterId id="2147483660" r:id="rId4"/>
   </p:sldMasterIdLst>
   <p:notesMasterIdLst>
-    <p:notesMasterId r:id="rId29"/>
+    <p:notesMasterId r:id="rId31"/>
   </p:notesMasterIdLst>
   <p:sldIdLst>
     <p:sldId id="256" r:id="rId5"/>
@@ -32,6 +32,8 @@
     <p:sldId id="333" r:id="rId26"/>
     <p:sldId id="299" r:id="rId27"/>
     <p:sldId id="303" r:id="rId28"/>
+    <p:sldId id="337" r:id="rId29"/>
+    <p:sldId id="334" r:id="rId30"/>
   </p:sldIdLst>
   <p:sldSz cx="9144000" cy="6858000" type="screen4x3"/>
   <p:notesSz cx="6858000" cy="9144000"/>
@@ -879,7 +881,7 @@
           <a:p>
             <a:fld id="{1AA1AB63-216F-4D5B-8811-CCB935E98D4A}" type="datetimeFigureOut">
               <a:rPr lang="en-US" smtClean="0"/>
-              <a:t>10/29/2021</a:t>
+              <a:t>11/7/2021</a:t>
             </a:fld>
             <a:endParaRPr lang="en-US"/>
           </a:p>
@@ -12817,7 +12819,7 @@
           <a:p>
             <a:r>
               <a:rPr lang="en-US" dirty="0"/>
-              <a:t>Equivalent Point Load Worked Example Problem</a:t>
+              <a:t>Equivalent Point Load via Integration Worked Example</a:t>
             </a:r>
           </a:p>
         </p:txBody>
@@ -13419,7 +13421,7 @@
           <a:p>
             <a:r>
               <a:rPr lang="en-US" dirty="0"/>
-              <a:t>Equivalent Point Load Practice Problem</a:t>
+              <a:t>Equivalent Point Load via Integration Worked Example</a:t>
             </a:r>
           </a:p>
         </p:txBody>
@@ -13938,7 +13940,7 @@
           <a:p>
             <a:r>
               <a:rPr lang="en-US" dirty="0"/>
-              <a:t>Discontinuous Force Functions Worked Example</a:t>
+              <a:t>Equivalent Point Load via Integration Worked Example</a:t>
             </a:r>
           </a:p>
         </p:txBody>
@@ -14696,7 +14698,7 @@
         </p:nvCxnSpPr>
         <p:spPr>
           <a:xfrm flipH="1">
-            <a:off x="4860471" y="4114800"/>
+            <a:off x="4876800" y="4103132"/>
             <a:ext cx="3434444" cy="0"/>
           </a:xfrm>
           <a:prstGeom prst="line">
@@ -14727,6 +14729,2752 @@
     <p:extLst>
       <p:ext uri="{BB962C8B-B14F-4D97-AF65-F5344CB8AC3E}">
         <p14:creationId xmlns:p14="http://schemas.microsoft.com/office/powerpoint/2010/main" val="4284197988"/>
+      </p:ext>
+    </p:extLst>
+  </p:cSld>
+  <p:clrMapOvr>
+    <a:masterClrMapping/>
+  </p:clrMapOvr>
+</p:sld>
+</file>
+
+<file path=ppt/slides/slide25.xml><?xml version="1.0" encoding="utf-8"?>
+<p:sld xmlns:a="http://schemas.openxmlformats.org/drawingml/2006/main" xmlns:r="http://schemas.openxmlformats.org/officeDocument/2006/relationships" xmlns:p="http://schemas.openxmlformats.org/presentationml/2006/main">
+  <p:cSld>
+    <p:spTree>
+      <p:nvGrpSpPr>
+        <p:cNvPr id="1" name=""/>
+        <p:cNvGrpSpPr/>
+        <p:nvPr/>
+      </p:nvGrpSpPr>
+      <p:grpSpPr>
+        <a:xfrm>
+          <a:off x="0" y="0"/>
+          <a:ext cx="0" cy="0"/>
+          <a:chOff x="0" y="0"/>
+          <a:chExt cx="0" cy="0"/>
+        </a:xfrm>
+      </p:grpSpPr>
+      <p:sp>
+        <p:nvSpPr>
+          <p:cNvPr id="2" name="Title 1"/>
+          <p:cNvSpPr>
+            <a:spLocks noGrp="1"/>
+          </p:cNvSpPr>
+          <p:nvPr>
+            <p:ph type="title"/>
+          </p:nvPr>
+        </p:nvSpPr>
+        <p:spPr/>
+        <p:txBody>
+          <a:bodyPr>
+            <a:normAutofit fontScale="90000"/>
+          </a:bodyPr>
+          <a:lstStyle/>
+          <a:p>
+            <a:r>
+              <a:rPr lang="en-US" dirty="0"/>
+              <a:t>Equivalent Point Load via Integration Worked Example</a:t>
+            </a:r>
+          </a:p>
+        </p:txBody>
+      </p:sp>
+      <p:sp>
+        <p:nvSpPr>
+          <p:cNvPr id="3" name="Content Placeholder 2"/>
+          <p:cNvSpPr>
+            <a:spLocks noGrp="1"/>
+          </p:cNvSpPr>
+          <p:nvPr>
+            <p:ph idx="1"/>
+          </p:nvPr>
+        </p:nvSpPr>
+        <p:spPr>
+          <a:xfrm>
+            <a:off x="457200" y="1600201"/>
+            <a:ext cx="8229600" cy="1447800"/>
+          </a:xfrm>
+        </p:spPr>
+        <p:txBody>
+          <a:bodyPr>
+            <a:normAutofit fontScale="92500" lnSpcReduction="10000"/>
+          </a:bodyPr>
+          <a:lstStyle/>
+          <a:p>
+            <a:r>
+              <a:rPr lang="en-US" dirty="0"/>
+              <a:t>Determine the magnitude and location of the equivalent point load, then use that to find the magnitude of the reaction forces at A and B.</a:t>
+            </a:r>
+          </a:p>
+        </p:txBody>
+      </p:sp>
+      <p:sp>
+        <p:nvSpPr>
+          <p:cNvPr id="4" name="Slide Number Placeholder 3"/>
+          <p:cNvSpPr>
+            <a:spLocks noGrp="1"/>
+          </p:cNvSpPr>
+          <p:nvPr>
+            <p:ph type="sldNum" sz="quarter" idx="12"/>
+          </p:nvPr>
+        </p:nvSpPr>
+        <p:spPr/>
+        <p:txBody>
+          <a:bodyPr/>
+          <a:lstStyle/>
+          <a:p>
+            <a:fld id="{929262FE-7F58-4A1E-8AF3-5A510A86DEBD}" type="slidenum">
+              <a:rPr lang="en-US" smtClean="0"/>
+              <a:t>25</a:t>
+            </a:fld>
+            <a:endParaRPr lang="en-US"/>
+          </a:p>
+        </p:txBody>
+      </p:sp>
+      <p:sp>
+        <p:nvSpPr>
+          <p:cNvPr id="28" name="Rectangle 27">
+            <a:extLst>
+              <a:ext uri="{FF2B5EF4-FFF2-40B4-BE49-F238E27FC236}">
+                <a16:creationId xmlns:a16="http://schemas.microsoft.com/office/drawing/2014/main" id="{F2DCAEA2-8B3E-4DB0-BBE0-D570DA4E8893}"/>
+              </a:ext>
+            </a:extLst>
+          </p:cNvPr>
+          <p:cNvSpPr/>
+          <p:nvPr/>
+        </p:nvSpPr>
+        <p:spPr>
+          <a:xfrm>
+            <a:off x="1143000" y="4896364"/>
+            <a:ext cx="7315200" cy="457200"/>
+          </a:xfrm>
+          <a:prstGeom prst="rect">
+            <a:avLst/>
+          </a:prstGeom>
+        </p:spPr>
+        <p:style>
+          <a:lnRef idx="1">
+            <a:schemeClr val="dk1"/>
+          </a:lnRef>
+          <a:fillRef idx="2">
+            <a:schemeClr val="dk1"/>
+          </a:fillRef>
+          <a:effectRef idx="1">
+            <a:schemeClr val="dk1"/>
+          </a:effectRef>
+          <a:fontRef idx="minor">
+            <a:schemeClr val="dk1"/>
+          </a:fontRef>
+        </p:style>
+        <p:txBody>
+          <a:bodyPr rtlCol="0" anchor="ctr"/>
+          <a:lstStyle/>
+          <a:p>
+            <a:pPr algn="ctr"/>
+            <a:endParaRPr lang="en-US"/>
+          </a:p>
+        </p:txBody>
+      </p:sp>
+      <p:cxnSp>
+        <p:nvCxnSpPr>
+          <p:cNvPr id="30" name="Straight Arrow Connector 29">
+            <a:extLst>
+              <a:ext uri="{FF2B5EF4-FFF2-40B4-BE49-F238E27FC236}">
+                <a16:creationId xmlns:a16="http://schemas.microsoft.com/office/drawing/2014/main" id="{0F0C6845-85B3-49EF-9531-B39DC3C2C848}"/>
+              </a:ext>
+            </a:extLst>
+          </p:cNvPr>
+          <p:cNvCxnSpPr>
+            <a:cxnSpLocks/>
+          </p:cNvCxnSpPr>
+          <p:nvPr/>
+        </p:nvCxnSpPr>
+        <p:spPr>
+          <a:xfrm>
+            <a:off x="2180137" y="3851154"/>
+            <a:ext cx="0" cy="1051560"/>
+          </a:xfrm>
+          <a:prstGeom prst="straightConnector1">
+            <a:avLst/>
+          </a:prstGeom>
+          <a:ln>
+            <a:solidFill>
+              <a:srgbClr val="FF0000"/>
+            </a:solidFill>
+            <a:tailEnd type="arrow"/>
+          </a:ln>
+        </p:spPr>
+        <p:style>
+          <a:lnRef idx="2">
+            <a:schemeClr val="accent2"/>
+          </a:lnRef>
+          <a:fillRef idx="0">
+            <a:schemeClr val="accent2"/>
+          </a:fillRef>
+          <a:effectRef idx="1">
+            <a:schemeClr val="accent2"/>
+          </a:effectRef>
+          <a:fontRef idx="minor">
+            <a:schemeClr val="tx1"/>
+          </a:fontRef>
+        </p:style>
+      </p:cxnSp>
+      <p:sp>
+        <p:nvSpPr>
+          <p:cNvPr id="31" name="TextBox 30">
+            <a:extLst>
+              <a:ext uri="{FF2B5EF4-FFF2-40B4-BE49-F238E27FC236}">
+                <a16:creationId xmlns:a16="http://schemas.microsoft.com/office/drawing/2014/main" id="{71F75B17-6992-4A34-854C-83166117AB04}"/>
+              </a:ext>
+            </a:extLst>
+          </p:cNvPr>
+          <p:cNvSpPr txBox="1"/>
+          <p:nvPr/>
+        </p:nvSpPr>
+        <p:spPr>
+          <a:xfrm>
+            <a:off x="4280358" y="3048000"/>
+            <a:ext cx="904415" cy="369332"/>
+          </a:xfrm>
+          <a:prstGeom prst="rect">
+            <a:avLst/>
+          </a:prstGeom>
+          <a:noFill/>
+        </p:spPr>
+        <p:txBody>
+          <a:bodyPr wrap="none" rtlCol="0">
+            <a:spAutoFit/>
+          </a:bodyPr>
+          <a:lstStyle/>
+          <a:p>
+            <a:r>
+              <a:rPr lang="en-US" b="1" dirty="0">
+                <a:solidFill>
+                  <a:srgbClr val="FF0000"/>
+                </a:solidFill>
+              </a:rPr>
+              <a:t>6 kN/m</a:t>
+            </a:r>
+          </a:p>
+        </p:txBody>
+      </p:sp>
+      <p:cxnSp>
+        <p:nvCxnSpPr>
+          <p:cNvPr id="32" name="Straight Connector 31">
+            <a:extLst>
+              <a:ext uri="{FF2B5EF4-FFF2-40B4-BE49-F238E27FC236}">
+                <a16:creationId xmlns:a16="http://schemas.microsoft.com/office/drawing/2014/main" id="{C21C90A8-0EC3-4F8F-B852-092DA38A8317}"/>
+              </a:ext>
+            </a:extLst>
+          </p:cNvPr>
+          <p:cNvCxnSpPr>
+            <a:cxnSpLocks/>
+          </p:cNvCxnSpPr>
+          <p:nvPr/>
+        </p:nvCxnSpPr>
+        <p:spPr>
+          <a:xfrm>
+            <a:off x="1152525" y="6118739"/>
+            <a:ext cx="7315200" cy="0"/>
+          </a:xfrm>
+          <a:prstGeom prst="line">
+            <a:avLst/>
+          </a:prstGeom>
+        </p:spPr>
+        <p:style>
+          <a:lnRef idx="1">
+            <a:schemeClr val="accent1"/>
+          </a:lnRef>
+          <a:fillRef idx="0">
+            <a:schemeClr val="accent1"/>
+          </a:fillRef>
+          <a:effectRef idx="0">
+            <a:schemeClr val="accent1"/>
+          </a:effectRef>
+          <a:fontRef idx="minor">
+            <a:schemeClr val="tx1"/>
+          </a:fontRef>
+        </p:style>
+      </p:cxnSp>
+      <p:sp>
+        <p:nvSpPr>
+          <p:cNvPr id="35" name="TextBox 34">
+            <a:extLst>
+              <a:ext uri="{FF2B5EF4-FFF2-40B4-BE49-F238E27FC236}">
+                <a16:creationId xmlns:a16="http://schemas.microsoft.com/office/drawing/2014/main" id="{721DD174-E7BC-4C22-8F66-05E73BEF1310}"/>
+              </a:ext>
+            </a:extLst>
+          </p:cNvPr>
+          <p:cNvSpPr txBox="1"/>
+          <p:nvPr/>
+        </p:nvSpPr>
+        <p:spPr>
+          <a:xfrm>
+            <a:off x="6090544" y="5925063"/>
+            <a:ext cx="538930" cy="369332"/>
+          </a:xfrm>
+          <a:prstGeom prst="rect">
+            <a:avLst/>
+          </a:prstGeom>
+          <a:solidFill>
+            <a:schemeClr val="bg1"/>
+          </a:solidFill>
+        </p:spPr>
+        <p:txBody>
+          <a:bodyPr wrap="none" rtlCol="0">
+            <a:spAutoFit/>
+          </a:bodyPr>
+          <a:lstStyle/>
+          <a:p>
+            <a:r>
+              <a:rPr lang="en-US" dirty="0">
+                <a:solidFill>
+                  <a:schemeClr val="accent1"/>
+                </a:solidFill>
+              </a:rPr>
+              <a:t>6 m</a:t>
+            </a:r>
+          </a:p>
+        </p:txBody>
+      </p:sp>
+      <p:cxnSp>
+        <p:nvCxnSpPr>
+          <p:cNvPr id="37" name="Straight Connector 36">
+            <a:extLst>
+              <a:ext uri="{FF2B5EF4-FFF2-40B4-BE49-F238E27FC236}">
+                <a16:creationId xmlns:a16="http://schemas.microsoft.com/office/drawing/2014/main" id="{4BD2E541-99B3-4A67-AF59-6B6BC0C11A2C}"/>
+              </a:ext>
+            </a:extLst>
+          </p:cNvPr>
+          <p:cNvCxnSpPr>
+            <a:cxnSpLocks/>
+          </p:cNvCxnSpPr>
+          <p:nvPr/>
+        </p:nvCxnSpPr>
+        <p:spPr>
+          <a:xfrm flipV="1">
+            <a:off x="1142999" y="3524764"/>
+            <a:ext cx="3600451" cy="463550"/>
+          </a:xfrm>
+          <a:prstGeom prst="line">
+            <a:avLst/>
+          </a:prstGeom>
+          <a:ln>
+            <a:solidFill>
+              <a:srgbClr val="FF0000"/>
+            </a:solidFill>
+          </a:ln>
+        </p:spPr>
+        <p:style>
+          <a:lnRef idx="2">
+            <a:schemeClr val="accent2"/>
+          </a:lnRef>
+          <a:fillRef idx="0">
+            <a:schemeClr val="accent2"/>
+          </a:fillRef>
+          <a:effectRef idx="1">
+            <a:schemeClr val="accent2"/>
+          </a:effectRef>
+          <a:fontRef idx="minor">
+            <a:schemeClr val="tx1"/>
+          </a:fontRef>
+        </p:style>
+      </p:cxnSp>
+      <p:cxnSp>
+        <p:nvCxnSpPr>
+          <p:cNvPr id="39" name="Straight Arrow Connector 38">
+            <a:extLst>
+              <a:ext uri="{FF2B5EF4-FFF2-40B4-BE49-F238E27FC236}">
+                <a16:creationId xmlns:a16="http://schemas.microsoft.com/office/drawing/2014/main" id="{BF47B8BB-A250-4EC5-A2A2-82226D662084}"/>
+              </a:ext>
+            </a:extLst>
+          </p:cNvPr>
+          <p:cNvCxnSpPr>
+            <a:cxnSpLocks/>
+          </p:cNvCxnSpPr>
+          <p:nvPr/>
+        </p:nvCxnSpPr>
+        <p:spPr>
+          <a:xfrm>
+            <a:off x="4749165" y="3531114"/>
+            <a:ext cx="0" cy="1371600"/>
+          </a:xfrm>
+          <a:prstGeom prst="straightConnector1">
+            <a:avLst/>
+          </a:prstGeom>
+          <a:ln>
+            <a:solidFill>
+              <a:srgbClr val="FF0000"/>
+            </a:solidFill>
+            <a:tailEnd type="arrow"/>
+          </a:ln>
+        </p:spPr>
+        <p:style>
+          <a:lnRef idx="2">
+            <a:schemeClr val="accent2"/>
+          </a:lnRef>
+          <a:fillRef idx="0">
+            <a:schemeClr val="accent2"/>
+          </a:fillRef>
+          <a:effectRef idx="1">
+            <a:schemeClr val="accent2"/>
+          </a:effectRef>
+          <a:fontRef idx="minor">
+            <a:schemeClr val="tx1"/>
+          </a:fontRef>
+        </p:style>
+      </p:cxnSp>
+      <p:cxnSp>
+        <p:nvCxnSpPr>
+          <p:cNvPr id="42" name="Straight Connector 41">
+            <a:extLst>
+              <a:ext uri="{FF2B5EF4-FFF2-40B4-BE49-F238E27FC236}">
+                <a16:creationId xmlns:a16="http://schemas.microsoft.com/office/drawing/2014/main" id="{499F8AB6-C0CF-4946-9045-6486C6F461B5}"/>
+              </a:ext>
+            </a:extLst>
+          </p:cNvPr>
+          <p:cNvCxnSpPr>
+            <a:cxnSpLocks/>
+          </p:cNvCxnSpPr>
+          <p:nvPr/>
+        </p:nvCxnSpPr>
+        <p:spPr>
+          <a:xfrm>
+            <a:off x="4762500" y="3536828"/>
+            <a:ext cx="3705225" cy="1371600"/>
+          </a:xfrm>
+          <a:prstGeom prst="line">
+            <a:avLst/>
+          </a:prstGeom>
+          <a:ln>
+            <a:solidFill>
+              <a:srgbClr val="FF0000"/>
+            </a:solidFill>
+          </a:ln>
+        </p:spPr>
+        <p:style>
+          <a:lnRef idx="2">
+            <a:schemeClr val="accent2"/>
+          </a:lnRef>
+          <a:fillRef idx="0">
+            <a:schemeClr val="accent2"/>
+          </a:fillRef>
+          <a:effectRef idx="1">
+            <a:schemeClr val="accent2"/>
+          </a:effectRef>
+          <a:fontRef idx="minor">
+            <a:schemeClr val="tx1"/>
+          </a:fontRef>
+        </p:style>
+      </p:cxnSp>
+      <p:cxnSp>
+        <p:nvCxnSpPr>
+          <p:cNvPr id="43" name="Straight Arrow Connector 42">
+            <a:extLst>
+              <a:ext uri="{FF2B5EF4-FFF2-40B4-BE49-F238E27FC236}">
+                <a16:creationId xmlns:a16="http://schemas.microsoft.com/office/drawing/2014/main" id="{13F5C9E8-5274-423B-958A-42FB71F2F8F7}"/>
+              </a:ext>
+            </a:extLst>
+          </p:cNvPr>
+          <p:cNvCxnSpPr>
+            <a:cxnSpLocks/>
+          </p:cNvCxnSpPr>
+          <p:nvPr/>
+        </p:nvCxnSpPr>
+        <p:spPr>
+          <a:xfrm>
+            <a:off x="5240338" y="3713994"/>
+            <a:ext cx="0" cy="1188720"/>
+          </a:xfrm>
+          <a:prstGeom prst="straightConnector1">
+            <a:avLst/>
+          </a:prstGeom>
+          <a:ln>
+            <a:solidFill>
+              <a:srgbClr val="FF0000"/>
+            </a:solidFill>
+            <a:tailEnd type="arrow"/>
+          </a:ln>
+        </p:spPr>
+        <p:style>
+          <a:lnRef idx="2">
+            <a:schemeClr val="accent2"/>
+          </a:lnRef>
+          <a:fillRef idx="0">
+            <a:schemeClr val="accent2"/>
+          </a:fillRef>
+          <a:effectRef idx="1">
+            <a:schemeClr val="accent2"/>
+          </a:effectRef>
+          <a:fontRef idx="minor">
+            <a:schemeClr val="tx1"/>
+          </a:fontRef>
+        </p:style>
+      </p:cxnSp>
+      <p:cxnSp>
+        <p:nvCxnSpPr>
+          <p:cNvPr id="44" name="Straight Arrow Connector 43">
+            <a:extLst>
+              <a:ext uri="{FF2B5EF4-FFF2-40B4-BE49-F238E27FC236}">
+                <a16:creationId xmlns:a16="http://schemas.microsoft.com/office/drawing/2014/main" id="{6AE12B79-AC7F-4262-9EB7-87A897011C63}"/>
+              </a:ext>
+            </a:extLst>
+          </p:cNvPr>
+          <p:cNvCxnSpPr>
+            <a:cxnSpLocks/>
+          </p:cNvCxnSpPr>
+          <p:nvPr/>
+        </p:nvCxnSpPr>
+        <p:spPr>
+          <a:xfrm>
+            <a:off x="6222684" y="4079754"/>
+            <a:ext cx="0" cy="822960"/>
+          </a:xfrm>
+          <a:prstGeom prst="straightConnector1">
+            <a:avLst/>
+          </a:prstGeom>
+          <a:ln>
+            <a:solidFill>
+              <a:srgbClr val="FF0000"/>
+            </a:solidFill>
+            <a:tailEnd type="arrow"/>
+          </a:ln>
+        </p:spPr>
+        <p:style>
+          <a:lnRef idx="2">
+            <a:schemeClr val="accent2"/>
+          </a:lnRef>
+          <a:fillRef idx="0">
+            <a:schemeClr val="accent2"/>
+          </a:fillRef>
+          <a:effectRef idx="1">
+            <a:schemeClr val="accent2"/>
+          </a:effectRef>
+          <a:fontRef idx="minor">
+            <a:schemeClr val="tx1"/>
+          </a:fontRef>
+        </p:style>
+      </p:cxnSp>
+      <p:cxnSp>
+        <p:nvCxnSpPr>
+          <p:cNvPr id="45" name="Straight Arrow Connector 44">
+            <a:extLst>
+              <a:ext uri="{FF2B5EF4-FFF2-40B4-BE49-F238E27FC236}">
+                <a16:creationId xmlns:a16="http://schemas.microsoft.com/office/drawing/2014/main" id="{4E94B519-C63F-4BB4-8D93-9F7D559712F7}"/>
+              </a:ext>
+            </a:extLst>
+          </p:cNvPr>
+          <p:cNvCxnSpPr>
+            <a:cxnSpLocks/>
+          </p:cNvCxnSpPr>
+          <p:nvPr/>
+        </p:nvCxnSpPr>
+        <p:spPr>
+          <a:xfrm>
+            <a:off x="6713857" y="4262634"/>
+            <a:ext cx="0" cy="640080"/>
+          </a:xfrm>
+          <a:prstGeom prst="straightConnector1">
+            <a:avLst/>
+          </a:prstGeom>
+          <a:ln>
+            <a:solidFill>
+              <a:srgbClr val="FF0000"/>
+            </a:solidFill>
+            <a:tailEnd type="arrow"/>
+          </a:ln>
+        </p:spPr>
+        <p:style>
+          <a:lnRef idx="2">
+            <a:schemeClr val="accent2"/>
+          </a:lnRef>
+          <a:fillRef idx="0">
+            <a:schemeClr val="accent2"/>
+          </a:fillRef>
+          <a:effectRef idx="1">
+            <a:schemeClr val="accent2"/>
+          </a:effectRef>
+          <a:fontRef idx="minor">
+            <a:schemeClr val="tx1"/>
+          </a:fontRef>
+        </p:style>
+      </p:cxnSp>
+      <p:cxnSp>
+        <p:nvCxnSpPr>
+          <p:cNvPr id="46" name="Straight Arrow Connector 45">
+            <a:extLst>
+              <a:ext uri="{FF2B5EF4-FFF2-40B4-BE49-F238E27FC236}">
+                <a16:creationId xmlns:a16="http://schemas.microsoft.com/office/drawing/2014/main" id="{689B4D96-23B2-49E0-A8D5-2847A7625BC2}"/>
+              </a:ext>
+            </a:extLst>
+          </p:cNvPr>
+          <p:cNvCxnSpPr>
+            <a:cxnSpLocks/>
+          </p:cNvCxnSpPr>
+          <p:nvPr/>
+        </p:nvCxnSpPr>
+        <p:spPr>
+          <a:xfrm>
+            <a:off x="7696200" y="4628394"/>
+            <a:ext cx="0" cy="274320"/>
+          </a:xfrm>
+          <a:prstGeom prst="straightConnector1">
+            <a:avLst/>
+          </a:prstGeom>
+          <a:ln>
+            <a:solidFill>
+              <a:srgbClr val="FF0000"/>
+            </a:solidFill>
+            <a:tailEnd type="arrow"/>
+          </a:ln>
+        </p:spPr>
+        <p:style>
+          <a:lnRef idx="2">
+            <a:schemeClr val="accent2"/>
+          </a:lnRef>
+          <a:fillRef idx="0">
+            <a:schemeClr val="accent2"/>
+          </a:fillRef>
+          <a:effectRef idx="1">
+            <a:schemeClr val="accent2"/>
+          </a:effectRef>
+          <a:fontRef idx="minor">
+            <a:schemeClr val="tx1"/>
+          </a:fontRef>
+        </p:style>
+      </p:cxnSp>
+      <p:sp>
+        <p:nvSpPr>
+          <p:cNvPr id="47" name="Isosceles Triangle 46">
+            <a:extLst>
+              <a:ext uri="{FF2B5EF4-FFF2-40B4-BE49-F238E27FC236}">
+                <a16:creationId xmlns:a16="http://schemas.microsoft.com/office/drawing/2014/main" id="{C72E769A-A6D0-4FA5-BE1E-536B3BD9C7FB}"/>
+              </a:ext>
+            </a:extLst>
+          </p:cNvPr>
+          <p:cNvSpPr/>
+          <p:nvPr/>
+        </p:nvSpPr>
+        <p:spPr>
+          <a:xfrm>
+            <a:off x="991416" y="5353564"/>
+            <a:ext cx="303984" cy="422790"/>
+          </a:xfrm>
+          <a:prstGeom prst="triangle">
+            <a:avLst/>
+          </a:prstGeom>
+        </p:spPr>
+        <p:style>
+          <a:lnRef idx="1">
+            <a:schemeClr val="dk1"/>
+          </a:lnRef>
+          <a:fillRef idx="2">
+            <a:schemeClr val="dk1"/>
+          </a:fillRef>
+          <a:effectRef idx="1">
+            <a:schemeClr val="dk1"/>
+          </a:effectRef>
+          <a:fontRef idx="minor">
+            <a:schemeClr val="dk1"/>
+          </a:fontRef>
+        </p:style>
+        <p:txBody>
+          <a:bodyPr rtlCol="0" anchor="ctr"/>
+          <a:lstStyle/>
+          <a:p>
+            <a:pPr algn="ctr"/>
+            <a:endParaRPr lang="en-US"/>
+          </a:p>
+        </p:txBody>
+      </p:sp>
+      <p:sp>
+        <p:nvSpPr>
+          <p:cNvPr id="48" name="Isosceles Triangle 47">
+            <a:extLst>
+              <a:ext uri="{FF2B5EF4-FFF2-40B4-BE49-F238E27FC236}">
+                <a16:creationId xmlns:a16="http://schemas.microsoft.com/office/drawing/2014/main" id="{0CF480EE-EFDF-4D1A-A7FF-B9CD1097B095}"/>
+              </a:ext>
+            </a:extLst>
+          </p:cNvPr>
+          <p:cNvSpPr/>
+          <p:nvPr/>
+        </p:nvSpPr>
+        <p:spPr>
+          <a:xfrm>
+            <a:off x="8299542" y="5372355"/>
+            <a:ext cx="303984" cy="422790"/>
+          </a:xfrm>
+          <a:prstGeom prst="triangle">
+            <a:avLst/>
+          </a:prstGeom>
+        </p:spPr>
+        <p:style>
+          <a:lnRef idx="1">
+            <a:schemeClr val="dk1"/>
+          </a:lnRef>
+          <a:fillRef idx="2">
+            <a:schemeClr val="dk1"/>
+          </a:fillRef>
+          <a:effectRef idx="1">
+            <a:schemeClr val="dk1"/>
+          </a:effectRef>
+          <a:fontRef idx="minor">
+            <a:schemeClr val="dk1"/>
+          </a:fontRef>
+        </p:style>
+        <p:txBody>
+          <a:bodyPr rtlCol="0" anchor="ctr"/>
+          <a:lstStyle/>
+          <a:p>
+            <a:pPr algn="ctr"/>
+            <a:endParaRPr lang="en-US"/>
+          </a:p>
+        </p:txBody>
+      </p:sp>
+      <p:cxnSp>
+        <p:nvCxnSpPr>
+          <p:cNvPr id="50" name="Straight Arrow Connector 49">
+            <a:extLst>
+              <a:ext uri="{FF2B5EF4-FFF2-40B4-BE49-F238E27FC236}">
+                <a16:creationId xmlns:a16="http://schemas.microsoft.com/office/drawing/2014/main" id="{D62ECD80-98F3-4C4A-90EB-C38706ACB9DC}"/>
+              </a:ext>
+            </a:extLst>
+          </p:cNvPr>
+          <p:cNvCxnSpPr>
+            <a:cxnSpLocks/>
+          </p:cNvCxnSpPr>
+          <p:nvPr/>
+        </p:nvCxnSpPr>
+        <p:spPr>
+          <a:xfrm>
+            <a:off x="1152525" y="3988314"/>
+            <a:ext cx="0" cy="914400"/>
+          </a:xfrm>
+          <a:prstGeom prst="straightConnector1">
+            <a:avLst/>
+          </a:prstGeom>
+          <a:ln>
+            <a:solidFill>
+              <a:srgbClr val="FF0000"/>
+            </a:solidFill>
+            <a:tailEnd type="arrow"/>
+          </a:ln>
+        </p:spPr>
+        <p:style>
+          <a:lnRef idx="2">
+            <a:schemeClr val="accent2"/>
+          </a:lnRef>
+          <a:fillRef idx="0">
+            <a:schemeClr val="accent2"/>
+          </a:fillRef>
+          <a:effectRef idx="1">
+            <a:schemeClr val="accent2"/>
+          </a:effectRef>
+          <a:fontRef idx="minor">
+            <a:schemeClr val="tx1"/>
+          </a:fontRef>
+        </p:style>
+      </p:cxnSp>
+      <p:sp>
+        <p:nvSpPr>
+          <p:cNvPr id="51" name="TextBox 50">
+            <a:extLst>
+              <a:ext uri="{FF2B5EF4-FFF2-40B4-BE49-F238E27FC236}">
+                <a16:creationId xmlns:a16="http://schemas.microsoft.com/office/drawing/2014/main" id="{83DA3513-9135-4DEA-9CE5-F4BF360B722E}"/>
+              </a:ext>
+            </a:extLst>
+          </p:cNvPr>
+          <p:cNvSpPr txBox="1"/>
+          <p:nvPr/>
+        </p:nvSpPr>
+        <p:spPr>
+          <a:xfrm>
+            <a:off x="709907" y="3483967"/>
+            <a:ext cx="904415" cy="369332"/>
+          </a:xfrm>
+          <a:prstGeom prst="rect">
+            <a:avLst/>
+          </a:prstGeom>
+          <a:noFill/>
+        </p:spPr>
+        <p:txBody>
+          <a:bodyPr wrap="none" rtlCol="0">
+            <a:spAutoFit/>
+          </a:bodyPr>
+          <a:lstStyle/>
+          <a:p>
+            <a:r>
+              <a:rPr lang="en-US" b="1" dirty="0">
+                <a:solidFill>
+                  <a:srgbClr val="FF0000"/>
+                </a:solidFill>
+              </a:rPr>
+              <a:t>4 kN/m</a:t>
+            </a:r>
+          </a:p>
+        </p:txBody>
+      </p:sp>
+      <p:cxnSp>
+        <p:nvCxnSpPr>
+          <p:cNvPr id="53" name="Straight Connector 52">
+            <a:extLst>
+              <a:ext uri="{FF2B5EF4-FFF2-40B4-BE49-F238E27FC236}">
+                <a16:creationId xmlns:a16="http://schemas.microsoft.com/office/drawing/2014/main" id="{1269F676-DDE4-4C6B-B060-8E8BCC052F2A}"/>
+              </a:ext>
+            </a:extLst>
+          </p:cNvPr>
+          <p:cNvCxnSpPr>
+            <a:cxnSpLocks/>
+          </p:cNvCxnSpPr>
+          <p:nvPr/>
+        </p:nvCxnSpPr>
+        <p:spPr>
+          <a:xfrm flipH="1">
+            <a:off x="4762500" y="5448942"/>
+            <a:ext cx="9525" cy="854075"/>
+          </a:xfrm>
+          <a:prstGeom prst="line">
+            <a:avLst/>
+          </a:prstGeom>
+        </p:spPr>
+        <p:style>
+          <a:lnRef idx="1">
+            <a:schemeClr val="accent1"/>
+          </a:lnRef>
+          <a:fillRef idx="0">
+            <a:schemeClr val="accent1"/>
+          </a:fillRef>
+          <a:effectRef idx="0">
+            <a:schemeClr val="accent1"/>
+          </a:effectRef>
+          <a:fontRef idx="minor">
+            <a:schemeClr val="tx1"/>
+          </a:fontRef>
+        </p:style>
+      </p:cxnSp>
+      <p:cxnSp>
+        <p:nvCxnSpPr>
+          <p:cNvPr id="54" name="Straight Connector 53">
+            <a:extLst>
+              <a:ext uri="{FF2B5EF4-FFF2-40B4-BE49-F238E27FC236}">
+                <a16:creationId xmlns:a16="http://schemas.microsoft.com/office/drawing/2014/main" id="{A92AC303-82AB-4C8F-A57C-05AAE11D38B7}"/>
+              </a:ext>
+            </a:extLst>
+          </p:cNvPr>
+          <p:cNvCxnSpPr>
+            <a:cxnSpLocks/>
+          </p:cNvCxnSpPr>
+          <p:nvPr/>
+        </p:nvCxnSpPr>
+        <p:spPr>
+          <a:xfrm flipH="1">
+            <a:off x="8436458" y="5448942"/>
+            <a:ext cx="9525" cy="854075"/>
+          </a:xfrm>
+          <a:prstGeom prst="line">
+            <a:avLst/>
+          </a:prstGeom>
+        </p:spPr>
+        <p:style>
+          <a:lnRef idx="1">
+            <a:schemeClr val="accent1"/>
+          </a:lnRef>
+          <a:fillRef idx="0">
+            <a:schemeClr val="accent1"/>
+          </a:fillRef>
+          <a:effectRef idx="0">
+            <a:schemeClr val="accent1"/>
+          </a:effectRef>
+          <a:fontRef idx="minor">
+            <a:schemeClr val="tx1"/>
+          </a:fontRef>
+        </p:style>
+      </p:cxnSp>
+      <p:cxnSp>
+        <p:nvCxnSpPr>
+          <p:cNvPr id="55" name="Straight Arrow Connector 54">
+            <a:extLst>
+              <a:ext uri="{FF2B5EF4-FFF2-40B4-BE49-F238E27FC236}">
+                <a16:creationId xmlns:a16="http://schemas.microsoft.com/office/drawing/2014/main" id="{3160D814-57AB-4390-A08E-24EB271970F6}"/>
+              </a:ext>
+            </a:extLst>
+          </p:cNvPr>
+          <p:cNvCxnSpPr>
+            <a:cxnSpLocks/>
+          </p:cNvCxnSpPr>
+          <p:nvPr/>
+        </p:nvCxnSpPr>
+        <p:spPr>
+          <a:xfrm>
+            <a:off x="1666331" y="3915162"/>
+            <a:ext cx="0" cy="987552"/>
+          </a:xfrm>
+          <a:prstGeom prst="straightConnector1">
+            <a:avLst/>
+          </a:prstGeom>
+          <a:ln>
+            <a:solidFill>
+              <a:srgbClr val="FF0000"/>
+            </a:solidFill>
+            <a:tailEnd type="arrow"/>
+          </a:ln>
+        </p:spPr>
+        <p:style>
+          <a:lnRef idx="2">
+            <a:schemeClr val="accent2"/>
+          </a:lnRef>
+          <a:fillRef idx="0">
+            <a:schemeClr val="accent2"/>
+          </a:fillRef>
+          <a:effectRef idx="1">
+            <a:schemeClr val="accent2"/>
+          </a:effectRef>
+          <a:fontRef idx="minor">
+            <a:schemeClr val="tx1"/>
+          </a:fontRef>
+        </p:style>
+      </p:cxnSp>
+      <p:cxnSp>
+        <p:nvCxnSpPr>
+          <p:cNvPr id="56" name="Straight Arrow Connector 55">
+            <a:extLst>
+              <a:ext uri="{FF2B5EF4-FFF2-40B4-BE49-F238E27FC236}">
+                <a16:creationId xmlns:a16="http://schemas.microsoft.com/office/drawing/2014/main" id="{96F2B867-5785-4686-9FCE-5CF31EF96F78}"/>
+              </a:ext>
+            </a:extLst>
+          </p:cNvPr>
+          <p:cNvCxnSpPr>
+            <a:cxnSpLocks/>
+          </p:cNvCxnSpPr>
+          <p:nvPr/>
+        </p:nvCxnSpPr>
+        <p:spPr>
+          <a:xfrm>
+            <a:off x="4235361" y="3576834"/>
+            <a:ext cx="0" cy="1325880"/>
+          </a:xfrm>
+          <a:prstGeom prst="straightConnector1">
+            <a:avLst/>
+          </a:prstGeom>
+          <a:ln>
+            <a:solidFill>
+              <a:srgbClr val="FF0000"/>
+            </a:solidFill>
+            <a:tailEnd type="arrow"/>
+          </a:ln>
+        </p:spPr>
+        <p:style>
+          <a:lnRef idx="2">
+            <a:schemeClr val="accent2"/>
+          </a:lnRef>
+          <a:fillRef idx="0">
+            <a:schemeClr val="accent2"/>
+          </a:fillRef>
+          <a:effectRef idx="1">
+            <a:schemeClr val="accent2"/>
+          </a:effectRef>
+          <a:fontRef idx="minor">
+            <a:schemeClr val="tx1"/>
+          </a:fontRef>
+        </p:style>
+      </p:cxnSp>
+      <p:cxnSp>
+        <p:nvCxnSpPr>
+          <p:cNvPr id="57" name="Straight Arrow Connector 56">
+            <a:extLst>
+              <a:ext uri="{FF2B5EF4-FFF2-40B4-BE49-F238E27FC236}">
+                <a16:creationId xmlns:a16="http://schemas.microsoft.com/office/drawing/2014/main" id="{68364FD6-60FD-451A-98FC-36DEFD48D4D5}"/>
+              </a:ext>
+            </a:extLst>
+          </p:cNvPr>
+          <p:cNvCxnSpPr>
+            <a:cxnSpLocks/>
+          </p:cNvCxnSpPr>
+          <p:nvPr/>
+        </p:nvCxnSpPr>
+        <p:spPr>
+          <a:xfrm>
+            <a:off x="5731511" y="3896874"/>
+            <a:ext cx="0" cy="1005840"/>
+          </a:xfrm>
+          <a:prstGeom prst="straightConnector1">
+            <a:avLst/>
+          </a:prstGeom>
+          <a:ln>
+            <a:solidFill>
+              <a:srgbClr val="FF0000"/>
+            </a:solidFill>
+            <a:tailEnd type="arrow"/>
+          </a:ln>
+        </p:spPr>
+        <p:style>
+          <a:lnRef idx="2">
+            <a:schemeClr val="accent2"/>
+          </a:lnRef>
+          <a:fillRef idx="0">
+            <a:schemeClr val="accent2"/>
+          </a:fillRef>
+          <a:effectRef idx="1">
+            <a:schemeClr val="accent2"/>
+          </a:effectRef>
+          <a:fontRef idx="minor">
+            <a:schemeClr val="tx1"/>
+          </a:fontRef>
+        </p:style>
+      </p:cxnSp>
+      <p:cxnSp>
+        <p:nvCxnSpPr>
+          <p:cNvPr id="58" name="Straight Arrow Connector 57">
+            <a:extLst>
+              <a:ext uri="{FF2B5EF4-FFF2-40B4-BE49-F238E27FC236}">
+                <a16:creationId xmlns:a16="http://schemas.microsoft.com/office/drawing/2014/main" id="{815E027E-1529-4A50-B567-7E519AF4E361}"/>
+              </a:ext>
+            </a:extLst>
+          </p:cNvPr>
+          <p:cNvCxnSpPr>
+            <a:cxnSpLocks/>
+          </p:cNvCxnSpPr>
+          <p:nvPr/>
+        </p:nvCxnSpPr>
+        <p:spPr>
+          <a:xfrm>
+            <a:off x="7205030" y="4445514"/>
+            <a:ext cx="0" cy="457200"/>
+          </a:xfrm>
+          <a:prstGeom prst="straightConnector1">
+            <a:avLst/>
+          </a:prstGeom>
+          <a:ln>
+            <a:solidFill>
+              <a:srgbClr val="FF0000"/>
+            </a:solidFill>
+            <a:tailEnd type="arrow"/>
+          </a:ln>
+        </p:spPr>
+        <p:style>
+          <a:lnRef idx="2">
+            <a:schemeClr val="accent2"/>
+          </a:lnRef>
+          <a:fillRef idx="0">
+            <a:schemeClr val="accent2"/>
+          </a:fillRef>
+          <a:effectRef idx="1">
+            <a:schemeClr val="accent2"/>
+          </a:effectRef>
+          <a:fontRef idx="minor">
+            <a:schemeClr val="tx1"/>
+          </a:fontRef>
+        </p:style>
+      </p:cxnSp>
+      <p:sp>
+        <p:nvSpPr>
+          <p:cNvPr id="59" name="TextBox 58">
+            <a:extLst>
+              <a:ext uri="{FF2B5EF4-FFF2-40B4-BE49-F238E27FC236}">
+                <a16:creationId xmlns:a16="http://schemas.microsoft.com/office/drawing/2014/main" id="{6CF3DB0C-0901-4106-8320-C69B8C126191}"/>
+              </a:ext>
+            </a:extLst>
+          </p:cNvPr>
+          <p:cNvSpPr txBox="1"/>
+          <p:nvPr/>
+        </p:nvSpPr>
+        <p:spPr>
+          <a:xfrm>
+            <a:off x="685800" y="5418177"/>
+            <a:ext cx="317716" cy="369332"/>
+          </a:xfrm>
+          <a:prstGeom prst="rect">
+            <a:avLst/>
+          </a:prstGeom>
+          <a:noFill/>
+        </p:spPr>
+        <p:txBody>
+          <a:bodyPr wrap="none" rtlCol="0">
+            <a:spAutoFit/>
+          </a:bodyPr>
+          <a:lstStyle/>
+          <a:p>
+            <a:r>
+              <a:rPr lang="en-US" dirty="0"/>
+              <a:t>A</a:t>
+            </a:r>
+          </a:p>
+        </p:txBody>
+      </p:sp>
+      <p:sp>
+        <p:nvSpPr>
+          <p:cNvPr id="60" name="TextBox 59">
+            <a:extLst>
+              <a:ext uri="{FF2B5EF4-FFF2-40B4-BE49-F238E27FC236}">
+                <a16:creationId xmlns:a16="http://schemas.microsoft.com/office/drawing/2014/main" id="{309C873A-4C98-46ED-BF47-109035FAD4BB}"/>
+              </a:ext>
+            </a:extLst>
+          </p:cNvPr>
+          <p:cNvSpPr txBox="1"/>
+          <p:nvPr/>
+        </p:nvSpPr>
+        <p:spPr>
+          <a:xfrm>
+            <a:off x="8619068" y="5444863"/>
+            <a:ext cx="309700" cy="369332"/>
+          </a:xfrm>
+          <a:prstGeom prst="rect">
+            <a:avLst/>
+          </a:prstGeom>
+          <a:noFill/>
+        </p:spPr>
+        <p:txBody>
+          <a:bodyPr wrap="none" rtlCol="0">
+            <a:spAutoFit/>
+          </a:bodyPr>
+          <a:lstStyle/>
+          <a:p>
+            <a:r>
+              <a:rPr lang="en-US" dirty="0"/>
+              <a:t>B</a:t>
+            </a:r>
+          </a:p>
+        </p:txBody>
+      </p:sp>
+      <p:sp>
+        <p:nvSpPr>
+          <p:cNvPr id="61" name="TextBox 60">
+            <a:extLst>
+              <a:ext uri="{FF2B5EF4-FFF2-40B4-BE49-F238E27FC236}">
+                <a16:creationId xmlns:a16="http://schemas.microsoft.com/office/drawing/2014/main" id="{AE312E13-7AF4-4616-8BF7-B2A51F654CE0}"/>
+              </a:ext>
+            </a:extLst>
+          </p:cNvPr>
+          <p:cNvSpPr txBox="1"/>
+          <p:nvPr/>
+        </p:nvSpPr>
+        <p:spPr>
+          <a:xfrm>
+            <a:off x="2743200" y="5974832"/>
+            <a:ext cx="538930" cy="369332"/>
+          </a:xfrm>
+          <a:prstGeom prst="rect">
+            <a:avLst/>
+          </a:prstGeom>
+          <a:solidFill>
+            <a:schemeClr val="bg1"/>
+          </a:solidFill>
+        </p:spPr>
+        <p:txBody>
+          <a:bodyPr wrap="none" rtlCol="0">
+            <a:spAutoFit/>
+          </a:bodyPr>
+          <a:lstStyle/>
+          <a:p>
+            <a:r>
+              <a:rPr lang="en-US" dirty="0">
+                <a:solidFill>
+                  <a:schemeClr val="accent1"/>
+                </a:solidFill>
+              </a:rPr>
+              <a:t>6 m</a:t>
+            </a:r>
+          </a:p>
+        </p:txBody>
+      </p:sp>
+      <p:cxnSp>
+        <p:nvCxnSpPr>
+          <p:cNvPr id="64" name="Straight Arrow Connector 63">
+            <a:extLst>
+              <a:ext uri="{FF2B5EF4-FFF2-40B4-BE49-F238E27FC236}">
+                <a16:creationId xmlns:a16="http://schemas.microsoft.com/office/drawing/2014/main" id="{002262BE-2A76-4B06-B2E8-EF8D2F1046DB}"/>
+              </a:ext>
+            </a:extLst>
+          </p:cNvPr>
+          <p:cNvCxnSpPr>
+            <a:cxnSpLocks/>
+          </p:cNvCxnSpPr>
+          <p:nvPr/>
+        </p:nvCxnSpPr>
+        <p:spPr>
+          <a:xfrm>
+            <a:off x="2693943" y="3778002"/>
+            <a:ext cx="0" cy="1124712"/>
+          </a:xfrm>
+          <a:prstGeom prst="straightConnector1">
+            <a:avLst/>
+          </a:prstGeom>
+          <a:ln>
+            <a:solidFill>
+              <a:srgbClr val="FF0000"/>
+            </a:solidFill>
+            <a:tailEnd type="arrow"/>
+          </a:ln>
+        </p:spPr>
+        <p:style>
+          <a:lnRef idx="2">
+            <a:schemeClr val="accent2"/>
+          </a:lnRef>
+          <a:fillRef idx="0">
+            <a:schemeClr val="accent2"/>
+          </a:fillRef>
+          <a:effectRef idx="1">
+            <a:schemeClr val="accent2"/>
+          </a:effectRef>
+          <a:fontRef idx="minor">
+            <a:schemeClr val="tx1"/>
+          </a:fontRef>
+        </p:style>
+      </p:cxnSp>
+      <p:cxnSp>
+        <p:nvCxnSpPr>
+          <p:cNvPr id="66" name="Straight Arrow Connector 65">
+            <a:extLst>
+              <a:ext uri="{FF2B5EF4-FFF2-40B4-BE49-F238E27FC236}">
+                <a16:creationId xmlns:a16="http://schemas.microsoft.com/office/drawing/2014/main" id="{44AAE86A-5E0D-4DD5-B152-80FBEA0EEE71}"/>
+              </a:ext>
+            </a:extLst>
+          </p:cNvPr>
+          <p:cNvCxnSpPr>
+            <a:cxnSpLocks/>
+          </p:cNvCxnSpPr>
+          <p:nvPr/>
+        </p:nvCxnSpPr>
+        <p:spPr>
+          <a:xfrm>
+            <a:off x="3207749" y="3713994"/>
+            <a:ext cx="0" cy="1188720"/>
+          </a:xfrm>
+          <a:prstGeom prst="straightConnector1">
+            <a:avLst/>
+          </a:prstGeom>
+          <a:ln>
+            <a:solidFill>
+              <a:srgbClr val="FF0000"/>
+            </a:solidFill>
+            <a:tailEnd type="arrow"/>
+          </a:ln>
+        </p:spPr>
+        <p:style>
+          <a:lnRef idx="2">
+            <a:schemeClr val="accent2"/>
+          </a:lnRef>
+          <a:fillRef idx="0">
+            <a:schemeClr val="accent2"/>
+          </a:fillRef>
+          <a:effectRef idx="1">
+            <a:schemeClr val="accent2"/>
+          </a:effectRef>
+          <a:fontRef idx="minor">
+            <a:schemeClr val="tx1"/>
+          </a:fontRef>
+        </p:style>
+      </p:cxnSp>
+      <p:cxnSp>
+        <p:nvCxnSpPr>
+          <p:cNvPr id="67" name="Straight Arrow Connector 66">
+            <a:extLst>
+              <a:ext uri="{FF2B5EF4-FFF2-40B4-BE49-F238E27FC236}">
+                <a16:creationId xmlns:a16="http://schemas.microsoft.com/office/drawing/2014/main" id="{0E07E1B0-3C29-429D-8297-FBCDFAB81E43}"/>
+              </a:ext>
+            </a:extLst>
+          </p:cNvPr>
+          <p:cNvCxnSpPr>
+            <a:cxnSpLocks/>
+          </p:cNvCxnSpPr>
+          <p:nvPr/>
+        </p:nvCxnSpPr>
+        <p:spPr>
+          <a:xfrm>
+            <a:off x="3721555" y="3640842"/>
+            <a:ext cx="0" cy="1261872"/>
+          </a:xfrm>
+          <a:prstGeom prst="straightConnector1">
+            <a:avLst/>
+          </a:prstGeom>
+          <a:ln>
+            <a:solidFill>
+              <a:srgbClr val="FF0000"/>
+            </a:solidFill>
+            <a:tailEnd type="arrow"/>
+          </a:ln>
+        </p:spPr>
+        <p:style>
+          <a:lnRef idx="2">
+            <a:schemeClr val="accent2"/>
+          </a:lnRef>
+          <a:fillRef idx="0">
+            <a:schemeClr val="accent2"/>
+          </a:fillRef>
+          <a:effectRef idx="1">
+            <a:schemeClr val="accent2"/>
+          </a:effectRef>
+          <a:fontRef idx="minor">
+            <a:schemeClr val="tx1"/>
+          </a:fontRef>
+        </p:style>
+      </p:cxnSp>
+      <p:cxnSp>
+        <p:nvCxnSpPr>
+          <p:cNvPr id="33" name="Straight Connector 32">
+            <a:extLst>
+              <a:ext uri="{FF2B5EF4-FFF2-40B4-BE49-F238E27FC236}">
+                <a16:creationId xmlns:a16="http://schemas.microsoft.com/office/drawing/2014/main" id="{6E33A0F0-B605-468B-B989-BBB42E936CB7}"/>
+              </a:ext>
+            </a:extLst>
+          </p:cNvPr>
+          <p:cNvCxnSpPr>
+            <a:cxnSpLocks/>
+          </p:cNvCxnSpPr>
+          <p:nvPr/>
+        </p:nvCxnSpPr>
+        <p:spPr>
+          <a:xfrm flipH="1">
+            <a:off x="1143000" y="5448942"/>
+            <a:ext cx="9525" cy="854075"/>
+          </a:xfrm>
+          <a:prstGeom prst="line">
+            <a:avLst/>
+          </a:prstGeom>
+        </p:spPr>
+        <p:style>
+          <a:lnRef idx="1">
+            <a:schemeClr val="accent1"/>
+          </a:lnRef>
+          <a:fillRef idx="0">
+            <a:schemeClr val="accent1"/>
+          </a:fillRef>
+          <a:effectRef idx="0">
+            <a:schemeClr val="accent1"/>
+          </a:effectRef>
+          <a:fontRef idx="minor">
+            <a:schemeClr val="tx1"/>
+          </a:fontRef>
+        </p:style>
+      </p:cxnSp>
+    </p:spTree>
+    <p:extLst>
+      <p:ext uri="{BB962C8B-B14F-4D97-AF65-F5344CB8AC3E}">
+        <p14:creationId xmlns:p14="http://schemas.microsoft.com/office/powerpoint/2010/main" val="2535014513"/>
+      </p:ext>
+    </p:extLst>
+  </p:cSld>
+  <p:clrMapOvr>
+    <a:masterClrMapping/>
+  </p:clrMapOvr>
+</p:sld>
+</file>
+
+<file path=ppt/slides/slide26.xml><?xml version="1.0" encoding="utf-8"?>
+<p:sld xmlns:a="http://schemas.openxmlformats.org/drawingml/2006/main" xmlns:r="http://schemas.openxmlformats.org/officeDocument/2006/relationships" xmlns:p="http://schemas.openxmlformats.org/presentationml/2006/main">
+  <p:cSld>
+    <p:spTree>
+      <p:nvGrpSpPr>
+        <p:cNvPr id="1" name=""/>
+        <p:cNvGrpSpPr/>
+        <p:nvPr/>
+      </p:nvGrpSpPr>
+      <p:grpSpPr>
+        <a:xfrm>
+          <a:off x="0" y="0"/>
+          <a:ext cx="0" cy="0"/>
+          <a:chOff x="0" y="0"/>
+          <a:chExt cx="0" cy="0"/>
+        </a:xfrm>
+      </p:grpSpPr>
+      <p:sp>
+        <p:nvSpPr>
+          <p:cNvPr id="2" name="Title 1">
+            <a:extLst>
+              <a:ext uri="{FF2B5EF4-FFF2-40B4-BE49-F238E27FC236}">
+                <a16:creationId xmlns:a16="http://schemas.microsoft.com/office/drawing/2014/main" id="{DEC3DB1A-F0F2-4A35-9497-E6C2BEE5BAC0}"/>
+              </a:ext>
+            </a:extLst>
+          </p:cNvPr>
+          <p:cNvSpPr>
+            <a:spLocks noGrp="1"/>
+          </p:cNvSpPr>
+          <p:nvPr>
+            <p:ph type="title"/>
+          </p:nvPr>
+        </p:nvSpPr>
+        <p:spPr/>
+        <p:txBody>
+          <a:bodyPr>
+            <a:normAutofit fontScale="90000"/>
+          </a:bodyPr>
+          <a:lstStyle/>
+          <a:p>
+            <a:r>
+              <a:rPr lang="en-US" dirty="0"/>
+              <a:t>Equivalent Point Load via Integration Worked Example</a:t>
+            </a:r>
+          </a:p>
+        </p:txBody>
+      </p:sp>
+      <p:sp>
+        <p:nvSpPr>
+          <p:cNvPr id="3" name="Content Placeholder 2">
+            <a:extLst>
+              <a:ext uri="{FF2B5EF4-FFF2-40B4-BE49-F238E27FC236}">
+                <a16:creationId xmlns:a16="http://schemas.microsoft.com/office/drawing/2014/main" id="{20900278-0297-46AF-A1B2-B6E45339867D}"/>
+              </a:ext>
+            </a:extLst>
+          </p:cNvPr>
+          <p:cNvSpPr>
+            <a:spLocks noGrp="1"/>
+          </p:cNvSpPr>
+          <p:nvPr>
+            <p:ph idx="1"/>
+          </p:nvPr>
+        </p:nvSpPr>
+        <p:spPr>
+          <a:xfrm>
+            <a:off x="457200" y="1600200"/>
+            <a:ext cx="3962400" cy="4525963"/>
+          </a:xfrm>
+        </p:spPr>
+        <p:txBody>
+          <a:bodyPr>
+            <a:normAutofit fontScale="92500" lnSpcReduction="20000"/>
+          </a:bodyPr>
+          <a:lstStyle/>
+          <a:p>
+            <a:r>
+              <a:rPr lang="en-US" dirty="0"/>
+              <a:t>An empty truck trailer with a weight of 17000 lbs is subjected to the wind force shown to the right. Assuming the weight acts in the middle of the trailer, what is the expected normal forces at the tires on the left and the tires on the right?</a:t>
+            </a:r>
+          </a:p>
+        </p:txBody>
+      </p:sp>
+      <p:sp>
+        <p:nvSpPr>
+          <p:cNvPr id="4" name="Slide Number Placeholder 3">
+            <a:extLst>
+              <a:ext uri="{FF2B5EF4-FFF2-40B4-BE49-F238E27FC236}">
+                <a16:creationId xmlns:a16="http://schemas.microsoft.com/office/drawing/2014/main" id="{BB5AFAF9-3E2D-4740-B6E9-AA568176F7C0}"/>
+              </a:ext>
+            </a:extLst>
+          </p:cNvPr>
+          <p:cNvSpPr>
+            <a:spLocks noGrp="1"/>
+          </p:cNvSpPr>
+          <p:nvPr>
+            <p:ph type="sldNum" sz="quarter" idx="12"/>
+          </p:nvPr>
+        </p:nvSpPr>
+        <p:spPr/>
+        <p:txBody>
+          <a:bodyPr/>
+          <a:lstStyle/>
+          <a:p>
+            <a:fld id="{929262FE-7F58-4A1E-8AF3-5A510A86DEBD}" type="slidenum">
+              <a:rPr lang="en-US" smtClean="0"/>
+              <a:t>26</a:t>
+            </a:fld>
+            <a:endParaRPr lang="en-US"/>
+          </a:p>
+        </p:txBody>
+      </p:sp>
+      <p:grpSp>
+        <p:nvGrpSpPr>
+          <p:cNvPr id="34" name="Group 33">
+            <a:extLst>
+              <a:ext uri="{FF2B5EF4-FFF2-40B4-BE49-F238E27FC236}">
+                <a16:creationId xmlns:a16="http://schemas.microsoft.com/office/drawing/2014/main" id="{7862BF62-AC49-4FE8-A848-C6DA9C0EE514}"/>
+              </a:ext>
+            </a:extLst>
+          </p:cNvPr>
+          <p:cNvGrpSpPr/>
+          <p:nvPr/>
+        </p:nvGrpSpPr>
+        <p:grpSpPr>
+          <a:xfrm>
+            <a:off x="4510686" y="2019843"/>
+            <a:ext cx="4307511" cy="3847557"/>
+            <a:chOff x="430821" y="1197447"/>
+            <a:chExt cx="6177576" cy="5355753"/>
+          </a:xfrm>
+        </p:grpSpPr>
+        <p:sp>
+          <p:nvSpPr>
+            <p:cNvPr id="5" name="Rectangle 4">
+              <a:extLst>
+                <a:ext uri="{FF2B5EF4-FFF2-40B4-BE49-F238E27FC236}">
+                  <a16:creationId xmlns:a16="http://schemas.microsoft.com/office/drawing/2014/main" id="{C55836BE-5E0D-46F0-AA7A-F3E6D4A83890}"/>
+                </a:ext>
+              </a:extLst>
+            </p:cNvPr>
+            <p:cNvSpPr/>
+            <p:nvPr/>
+          </p:nvSpPr>
+          <p:spPr>
+            <a:xfrm>
+              <a:off x="5398653" y="5049983"/>
+              <a:ext cx="381000" cy="914400"/>
+            </a:xfrm>
+            <a:prstGeom prst="rect">
+              <a:avLst/>
+            </a:prstGeom>
+            <a:solidFill>
+              <a:schemeClr val="tx1"/>
+            </a:solidFill>
+          </p:spPr>
+          <p:style>
+            <a:lnRef idx="2">
+              <a:schemeClr val="dk1"/>
+            </a:lnRef>
+            <a:fillRef idx="1">
+              <a:schemeClr val="lt1"/>
+            </a:fillRef>
+            <a:effectRef idx="0">
+              <a:schemeClr val="dk1"/>
+            </a:effectRef>
+            <a:fontRef idx="minor">
+              <a:schemeClr val="dk1"/>
+            </a:fontRef>
+          </p:style>
+          <p:txBody>
+            <a:bodyPr rtlCol="0" anchor="ctr"/>
+            <a:lstStyle/>
+            <a:p>
+              <a:pPr algn="ctr"/>
+              <a:endParaRPr lang="en-US" dirty="0"/>
+            </a:p>
+          </p:txBody>
+        </p:sp>
+        <p:sp>
+          <p:nvSpPr>
+            <p:cNvPr id="6" name="Rectangle 5">
+              <a:extLst>
+                <a:ext uri="{FF2B5EF4-FFF2-40B4-BE49-F238E27FC236}">
+                  <a16:creationId xmlns:a16="http://schemas.microsoft.com/office/drawing/2014/main" id="{400D1892-0D63-4994-880B-AC79FCFB9002}"/>
+                </a:ext>
+              </a:extLst>
+            </p:cNvPr>
+            <p:cNvSpPr/>
+            <p:nvPr/>
+          </p:nvSpPr>
+          <p:spPr>
+            <a:xfrm>
+              <a:off x="3142672" y="5049983"/>
+              <a:ext cx="381000" cy="914400"/>
+            </a:xfrm>
+            <a:prstGeom prst="rect">
+              <a:avLst/>
+            </a:prstGeom>
+            <a:solidFill>
+              <a:schemeClr val="tx1"/>
+            </a:solidFill>
+          </p:spPr>
+          <p:style>
+            <a:lnRef idx="2">
+              <a:schemeClr val="dk1"/>
+            </a:lnRef>
+            <a:fillRef idx="1">
+              <a:schemeClr val="lt1"/>
+            </a:fillRef>
+            <a:effectRef idx="0">
+              <a:schemeClr val="dk1"/>
+            </a:effectRef>
+            <a:fontRef idx="minor">
+              <a:schemeClr val="dk1"/>
+            </a:fontRef>
+          </p:style>
+          <p:txBody>
+            <a:bodyPr rtlCol="0" anchor="ctr"/>
+            <a:lstStyle/>
+            <a:p>
+              <a:pPr algn="ctr"/>
+              <a:endParaRPr lang="en-US"/>
+            </a:p>
+          </p:txBody>
+        </p:sp>
+        <p:sp>
+          <p:nvSpPr>
+            <p:cNvPr id="7" name="Rectangle 6">
+              <a:extLst>
+                <a:ext uri="{FF2B5EF4-FFF2-40B4-BE49-F238E27FC236}">
+                  <a16:creationId xmlns:a16="http://schemas.microsoft.com/office/drawing/2014/main" id="{F4526C80-8DEF-46AA-96E5-87796692272B}"/>
+                </a:ext>
+              </a:extLst>
+            </p:cNvPr>
+            <p:cNvSpPr/>
+            <p:nvPr/>
+          </p:nvSpPr>
+          <p:spPr>
+            <a:xfrm>
+              <a:off x="3124200" y="1752600"/>
+              <a:ext cx="2667000" cy="3505200"/>
+            </a:xfrm>
+            <a:prstGeom prst="rect">
+              <a:avLst/>
+            </a:prstGeom>
+            <a:solidFill>
+              <a:schemeClr val="bg1">
+                <a:lumMod val="85000"/>
+              </a:schemeClr>
+            </a:solidFill>
+          </p:spPr>
+          <p:style>
+            <a:lnRef idx="2">
+              <a:schemeClr val="dk1"/>
+            </a:lnRef>
+            <a:fillRef idx="1">
+              <a:schemeClr val="lt1"/>
+            </a:fillRef>
+            <a:effectRef idx="0">
+              <a:schemeClr val="dk1"/>
+            </a:effectRef>
+            <a:fontRef idx="minor">
+              <a:schemeClr val="dk1"/>
+            </a:fontRef>
+          </p:style>
+          <p:txBody>
+            <a:bodyPr rtlCol="0" anchor="ctr"/>
+            <a:lstStyle/>
+            <a:p>
+              <a:pPr algn="ctr"/>
+              <a:endParaRPr lang="en-US"/>
+            </a:p>
+          </p:txBody>
+        </p:sp>
+        <p:sp>
+          <p:nvSpPr>
+            <p:cNvPr id="8" name="Rectangle 7">
+              <a:extLst>
+                <a:ext uri="{FF2B5EF4-FFF2-40B4-BE49-F238E27FC236}">
+                  <a16:creationId xmlns:a16="http://schemas.microsoft.com/office/drawing/2014/main" id="{6ADCA8B6-7BA0-4E77-8B32-F12A4DB73B45}"/>
+                </a:ext>
+              </a:extLst>
+            </p:cNvPr>
+            <p:cNvSpPr/>
+            <p:nvPr/>
+          </p:nvSpPr>
+          <p:spPr>
+            <a:xfrm>
+              <a:off x="3219450" y="1810328"/>
+              <a:ext cx="2476500" cy="3209636"/>
+            </a:xfrm>
+            <a:prstGeom prst="rect">
+              <a:avLst/>
+            </a:prstGeom>
+            <a:solidFill>
+              <a:schemeClr val="bg1">
+                <a:lumMod val="95000"/>
+              </a:schemeClr>
+            </a:solidFill>
+          </p:spPr>
+          <p:style>
+            <a:lnRef idx="2">
+              <a:schemeClr val="dk1"/>
+            </a:lnRef>
+            <a:fillRef idx="1">
+              <a:schemeClr val="lt1"/>
+            </a:fillRef>
+            <a:effectRef idx="0">
+              <a:schemeClr val="dk1"/>
+            </a:effectRef>
+            <a:fontRef idx="minor">
+              <a:schemeClr val="dk1"/>
+            </a:fontRef>
+          </p:style>
+          <p:txBody>
+            <a:bodyPr rtlCol="0" anchor="ctr"/>
+            <a:lstStyle/>
+            <a:p>
+              <a:pPr algn="ctr"/>
+              <a:endParaRPr lang="en-US"/>
+            </a:p>
+          </p:txBody>
+        </p:sp>
+        <p:sp>
+          <p:nvSpPr>
+            <p:cNvPr id="9" name="Oval 8">
+              <a:extLst>
+                <a:ext uri="{FF2B5EF4-FFF2-40B4-BE49-F238E27FC236}">
+                  <a16:creationId xmlns:a16="http://schemas.microsoft.com/office/drawing/2014/main" id="{E9F69268-6E47-400D-B3CF-20A08FEF1C11}"/>
+                </a:ext>
+              </a:extLst>
+            </p:cNvPr>
+            <p:cNvSpPr/>
+            <p:nvPr/>
+          </p:nvSpPr>
+          <p:spPr>
+            <a:xfrm>
+              <a:off x="3181928" y="5061158"/>
+              <a:ext cx="152400" cy="155448"/>
+            </a:xfrm>
+            <a:prstGeom prst="ellipse">
+              <a:avLst/>
+            </a:prstGeom>
+          </p:spPr>
+          <p:style>
+            <a:lnRef idx="2">
+              <a:schemeClr val="accent2">
+                <a:shade val="50000"/>
+              </a:schemeClr>
+            </a:lnRef>
+            <a:fillRef idx="1">
+              <a:schemeClr val="accent2"/>
+            </a:fillRef>
+            <a:effectRef idx="0">
+              <a:schemeClr val="accent2"/>
+            </a:effectRef>
+            <a:fontRef idx="minor">
+              <a:schemeClr val="lt1"/>
+            </a:fontRef>
+          </p:style>
+          <p:txBody>
+            <a:bodyPr rtlCol="0" anchor="ctr"/>
+            <a:lstStyle/>
+            <a:p>
+              <a:pPr algn="ctr"/>
+              <a:endParaRPr lang="en-US"/>
+            </a:p>
+          </p:txBody>
+        </p:sp>
+        <p:sp>
+          <p:nvSpPr>
+            <p:cNvPr id="10" name="Oval 9">
+              <a:extLst>
+                <a:ext uri="{FF2B5EF4-FFF2-40B4-BE49-F238E27FC236}">
+                  <a16:creationId xmlns:a16="http://schemas.microsoft.com/office/drawing/2014/main" id="{0D32601B-67B9-4CD7-AE99-8317340E5142}"/>
+                </a:ext>
+              </a:extLst>
+            </p:cNvPr>
+            <p:cNvSpPr/>
+            <p:nvPr/>
+          </p:nvSpPr>
+          <p:spPr>
+            <a:xfrm>
+              <a:off x="3438236" y="5061158"/>
+              <a:ext cx="152400" cy="155448"/>
+            </a:xfrm>
+            <a:prstGeom prst="ellipse">
+              <a:avLst/>
+            </a:prstGeom>
+          </p:spPr>
+          <p:style>
+            <a:lnRef idx="2">
+              <a:schemeClr val="accent2">
+                <a:shade val="50000"/>
+              </a:schemeClr>
+            </a:lnRef>
+            <a:fillRef idx="1">
+              <a:schemeClr val="accent2"/>
+            </a:fillRef>
+            <a:effectRef idx="0">
+              <a:schemeClr val="accent2"/>
+            </a:effectRef>
+            <a:fontRef idx="minor">
+              <a:schemeClr val="lt1"/>
+            </a:fontRef>
+          </p:style>
+          <p:txBody>
+            <a:bodyPr rtlCol="0" anchor="ctr"/>
+            <a:lstStyle/>
+            <a:p>
+              <a:pPr algn="ctr"/>
+              <a:endParaRPr lang="en-US"/>
+            </a:p>
+          </p:txBody>
+        </p:sp>
+        <p:sp>
+          <p:nvSpPr>
+            <p:cNvPr id="11" name="Oval 10">
+              <a:extLst>
+                <a:ext uri="{FF2B5EF4-FFF2-40B4-BE49-F238E27FC236}">
+                  <a16:creationId xmlns:a16="http://schemas.microsoft.com/office/drawing/2014/main" id="{1F5C9032-FCDD-408C-B313-377AC34BE29C}"/>
+                </a:ext>
+              </a:extLst>
+            </p:cNvPr>
+            <p:cNvSpPr/>
+            <p:nvPr/>
+          </p:nvSpPr>
+          <p:spPr>
+            <a:xfrm>
+              <a:off x="5315528" y="5066144"/>
+              <a:ext cx="152400" cy="155448"/>
+            </a:xfrm>
+            <a:prstGeom prst="ellipse">
+              <a:avLst/>
+            </a:prstGeom>
+          </p:spPr>
+          <p:style>
+            <a:lnRef idx="2">
+              <a:schemeClr val="accent2">
+                <a:shade val="50000"/>
+              </a:schemeClr>
+            </a:lnRef>
+            <a:fillRef idx="1">
+              <a:schemeClr val="accent2"/>
+            </a:fillRef>
+            <a:effectRef idx="0">
+              <a:schemeClr val="accent2"/>
+            </a:effectRef>
+            <a:fontRef idx="minor">
+              <a:schemeClr val="lt1"/>
+            </a:fontRef>
+          </p:style>
+          <p:txBody>
+            <a:bodyPr rtlCol="0" anchor="ctr"/>
+            <a:lstStyle/>
+            <a:p>
+              <a:pPr algn="ctr"/>
+              <a:endParaRPr lang="en-US"/>
+            </a:p>
+          </p:txBody>
+        </p:sp>
+        <p:sp>
+          <p:nvSpPr>
+            <p:cNvPr id="12" name="Oval 11">
+              <a:extLst>
+                <a:ext uri="{FF2B5EF4-FFF2-40B4-BE49-F238E27FC236}">
+                  <a16:creationId xmlns:a16="http://schemas.microsoft.com/office/drawing/2014/main" id="{9A5C2BF2-03BC-4A76-BD89-D36B7C465FC2}"/>
+                </a:ext>
+              </a:extLst>
+            </p:cNvPr>
+            <p:cNvSpPr/>
+            <p:nvPr/>
+          </p:nvSpPr>
+          <p:spPr>
+            <a:xfrm>
+              <a:off x="5571836" y="5066144"/>
+              <a:ext cx="152400" cy="155448"/>
+            </a:xfrm>
+            <a:prstGeom prst="ellipse">
+              <a:avLst/>
+            </a:prstGeom>
+          </p:spPr>
+          <p:style>
+            <a:lnRef idx="2">
+              <a:schemeClr val="accent2">
+                <a:shade val="50000"/>
+              </a:schemeClr>
+            </a:lnRef>
+            <a:fillRef idx="1">
+              <a:schemeClr val="accent2"/>
+            </a:fillRef>
+            <a:effectRef idx="0">
+              <a:schemeClr val="accent2"/>
+            </a:effectRef>
+            <a:fontRef idx="minor">
+              <a:schemeClr val="lt1"/>
+            </a:fontRef>
+          </p:style>
+          <p:txBody>
+            <a:bodyPr rtlCol="0" anchor="ctr"/>
+            <a:lstStyle/>
+            <a:p>
+              <a:pPr algn="ctr"/>
+              <a:endParaRPr lang="en-US"/>
+            </a:p>
+          </p:txBody>
+        </p:sp>
+        <p:cxnSp>
+          <p:nvCxnSpPr>
+            <p:cNvPr id="13" name="Straight Arrow Connector 12">
+              <a:extLst>
+                <a:ext uri="{FF2B5EF4-FFF2-40B4-BE49-F238E27FC236}">
+                  <a16:creationId xmlns:a16="http://schemas.microsoft.com/office/drawing/2014/main" id="{7CE72B57-8EB7-4A23-AD37-3F72DD848F0D}"/>
+                </a:ext>
+              </a:extLst>
+            </p:cNvPr>
+            <p:cNvCxnSpPr/>
+            <p:nvPr/>
+          </p:nvCxnSpPr>
+          <p:spPr>
+            <a:xfrm>
+              <a:off x="1390072" y="1754909"/>
+              <a:ext cx="1752600" cy="0"/>
+            </a:xfrm>
+            <a:prstGeom prst="straightConnector1">
+              <a:avLst/>
+            </a:prstGeom>
+            <a:ln>
+              <a:solidFill>
+                <a:srgbClr val="FF0000"/>
+              </a:solidFill>
+              <a:tailEnd type="triangle"/>
+            </a:ln>
+          </p:spPr>
+          <p:style>
+            <a:lnRef idx="2">
+              <a:schemeClr val="accent2"/>
+            </a:lnRef>
+            <a:fillRef idx="0">
+              <a:schemeClr val="accent2"/>
+            </a:fillRef>
+            <a:effectRef idx="1">
+              <a:schemeClr val="accent2"/>
+            </a:effectRef>
+            <a:fontRef idx="minor">
+              <a:schemeClr val="tx1"/>
+            </a:fontRef>
+          </p:style>
+        </p:cxnSp>
+        <p:cxnSp>
+          <p:nvCxnSpPr>
+            <p:cNvPr id="14" name="Straight Arrow Connector 13">
+              <a:extLst>
+                <a:ext uri="{FF2B5EF4-FFF2-40B4-BE49-F238E27FC236}">
+                  <a16:creationId xmlns:a16="http://schemas.microsoft.com/office/drawing/2014/main" id="{34106DC3-BAD7-41E1-919B-98D7A46A56E8}"/>
+                </a:ext>
+              </a:extLst>
+            </p:cNvPr>
+            <p:cNvCxnSpPr/>
+            <p:nvPr/>
+          </p:nvCxnSpPr>
+          <p:spPr>
+            <a:xfrm>
+              <a:off x="1542472" y="2252353"/>
+              <a:ext cx="1581728" cy="0"/>
+            </a:xfrm>
+            <a:prstGeom prst="straightConnector1">
+              <a:avLst/>
+            </a:prstGeom>
+            <a:ln>
+              <a:solidFill>
+                <a:srgbClr val="FF0000"/>
+              </a:solidFill>
+              <a:tailEnd type="triangle"/>
+            </a:ln>
+          </p:spPr>
+          <p:style>
+            <a:lnRef idx="2">
+              <a:schemeClr val="accent2"/>
+            </a:lnRef>
+            <a:fillRef idx="0">
+              <a:schemeClr val="accent2"/>
+            </a:fillRef>
+            <a:effectRef idx="1">
+              <a:schemeClr val="accent2"/>
+            </a:effectRef>
+            <a:fontRef idx="minor">
+              <a:schemeClr val="tx1"/>
+            </a:fontRef>
+          </p:style>
+        </p:cxnSp>
+        <p:cxnSp>
+          <p:nvCxnSpPr>
+            <p:cNvPr id="15" name="Straight Arrow Connector 14">
+              <a:extLst>
+                <a:ext uri="{FF2B5EF4-FFF2-40B4-BE49-F238E27FC236}">
+                  <a16:creationId xmlns:a16="http://schemas.microsoft.com/office/drawing/2014/main" id="{B5287A11-F85C-40A9-A97C-2CC5D3E6A006}"/>
+                </a:ext>
+              </a:extLst>
+            </p:cNvPr>
+            <p:cNvCxnSpPr/>
+            <p:nvPr/>
+          </p:nvCxnSpPr>
+          <p:spPr>
+            <a:xfrm>
+              <a:off x="1694872" y="2749797"/>
+              <a:ext cx="1429328" cy="0"/>
+            </a:xfrm>
+            <a:prstGeom prst="straightConnector1">
+              <a:avLst/>
+            </a:prstGeom>
+            <a:ln>
+              <a:solidFill>
+                <a:srgbClr val="FF0000"/>
+              </a:solidFill>
+              <a:tailEnd type="triangle"/>
+            </a:ln>
+          </p:spPr>
+          <p:style>
+            <a:lnRef idx="2">
+              <a:schemeClr val="accent2"/>
+            </a:lnRef>
+            <a:fillRef idx="0">
+              <a:schemeClr val="accent2"/>
+            </a:fillRef>
+            <a:effectRef idx="1">
+              <a:schemeClr val="accent2"/>
+            </a:effectRef>
+            <a:fontRef idx="minor">
+              <a:schemeClr val="tx1"/>
+            </a:fontRef>
+          </p:style>
+        </p:cxnSp>
+        <p:cxnSp>
+          <p:nvCxnSpPr>
+            <p:cNvPr id="16" name="Straight Arrow Connector 15">
+              <a:extLst>
+                <a:ext uri="{FF2B5EF4-FFF2-40B4-BE49-F238E27FC236}">
+                  <a16:creationId xmlns:a16="http://schemas.microsoft.com/office/drawing/2014/main" id="{165AAA04-64A2-4599-AFC9-14CE27B5AB6B}"/>
+                </a:ext>
+              </a:extLst>
+            </p:cNvPr>
+            <p:cNvCxnSpPr/>
+            <p:nvPr/>
+          </p:nvCxnSpPr>
+          <p:spPr>
+            <a:xfrm>
+              <a:off x="1847272" y="3247241"/>
+              <a:ext cx="1276928" cy="0"/>
+            </a:xfrm>
+            <a:prstGeom prst="straightConnector1">
+              <a:avLst/>
+            </a:prstGeom>
+            <a:ln>
+              <a:solidFill>
+                <a:srgbClr val="FF0000"/>
+              </a:solidFill>
+              <a:tailEnd type="triangle"/>
+            </a:ln>
+          </p:spPr>
+          <p:style>
+            <a:lnRef idx="2">
+              <a:schemeClr val="accent2"/>
+            </a:lnRef>
+            <a:fillRef idx="0">
+              <a:schemeClr val="accent2"/>
+            </a:fillRef>
+            <a:effectRef idx="1">
+              <a:schemeClr val="accent2"/>
+            </a:effectRef>
+            <a:fontRef idx="minor">
+              <a:schemeClr val="tx1"/>
+            </a:fontRef>
+          </p:style>
+        </p:cxnSp>
+        <p:cxnSp>
+          <p:nvCxnSpPr>
+            <p:cNvPr id="17" name="Straight Arrow Connector 16">
+              <a:extLst>
+                <a:ext uri="{FF2B5EF4-FFF2-40B4-BE49-F238E27FC236}">
+                  <a16:creationId xmlns:a16="http://schemas.microsoft.com/office/drawing/2014/main" id="{D37DEA0E-9742-48C2-B18C-29A19877A04F}"/>
+                </a:ext>
+              </a:extLst>
+            </p:cNvPr>
+            <p:cNvCxnSpPr/>
+            <p:nvPr/>
+          </p:nvCxnSpPr>
+          <p:spPr>
+            <a:xfrm>
+              <a:off x="1999672" y="3744685"/>
+              <a:ext cx="1124528" cy="0"/>
+            </a:xfrm>
+            <a:prstGeom prst="straightConnector1">
+              <a:avLst/>
+            </a:prstGeom>
+            <a:ln>
+              <a:solidFill>
+                <a:srgbClr val="FF0000"/>
+              </a:solidFill>
+              <a:tailEnd type="triangle"/>
+            </a:ln>
+          </p:spPr>
+          <p:style>
+            <a:lnRef idx="2">
+              <a:schemeClr val="accent2"/>
+            </a:lnRef>
+            <a:fillRef idx="0">
+              <a:schemeClr val="accent2"/>
+            </a:fillRef>
+            <a:effectRef idx="1">
+              <a:schemeClr val="accent2"/>
+            </a:effectRef>
+            <a:fontRef idx="minor">
+              <a:schemeClr val="tx1"/>
+            </a:fontRef>
+          </p:style>
+        </p:cxnSp>
+        <p:cxnSp>
+          <p:nvCxnSpPr>
+            <p:cNvPr id="18" name="Straight Arrow Connector 17">
+              <a:extLst>
+                <a:ext uri="{FF2B5EF4-FFF2-40B4-BE49-F238E27FC236}">
+                  <a16:creationId xmlns:a16="http://schemas.microsoft.com/office/drawing/2014/main" id="{9FEA3090-9F47-41CE-8D4B-73252C5D78F4}"/>
+                </a:ext>
+              </a:extLst>
+            </p:cNvPr>
+            <p:cNvCxnSpPr/>
+            <p:nvPr/>
+          </p:nvCxnSpPr>
+          <p:spPr>
+            <a:xfrm>
+              <a:off x="2152072" y="4242129"/>
+              <a:ext cx="972128" cy="0"/>
+            </a:xfrm>
+            <a:prstGeom prst="straightConnector1">
+              <a:avLst/>
+            </a:prstGeom>
+            <a:ln>
+              <a:solidFill>
+                <a:srgbClr val="FF0000"/>
+              </a:solidFill>
+              <a:tailEnd type="triangle"/>
+            </a:ln>
+          </p:spPr>
+          <p:style>
+            <a:lnRef idx="2">
+              <a:schemeClr val="accent2"/>
+            </a:lnRef>
+            <a:fillRef idx="0">
+              <a:schemeClr val="accent2"/>
+            </a:fillRef>
+            <a:effectRef idx="1">
+              <a:schemeClr val="accent2"/>
+            </a:effectRef>
+            <a:fontRef idx="minor">
+              <a:schemeClr val="tx1"/>
+            </a:fontRef>
+          </p:style>
+        </p:cxnSp>
+        <p:cxnSp>
+          <p:nvCxnSpPr>
+            <p:cNvPr id="19" name="Straight Arrow Connector 18">
+              <a:extLst>
+                <a:ext uri="{FF2B5EF4-FFF2-40B4-BE49-F238E27FC236}">
+                  <a16:creationId xmlns:a16="http://schemas.microsoft.com/office/drawing/2014/main" id="{6B4EED79-C5E4-4440-BD77-8D2C1DEC628E}"/>
+                </a:ext>
+              </a:extLst>
+            </p:cNvPr>
+            <p:cNvCxnSpPr/>
+            <p:nvPr/>
+          </p:nvCxnSpPr>
+          <p:spPr>
+            <a:xfrm flipV="1">
+              <a:off x="2304472" y="4724400"/>
+              <a:ext cx="819728" cy="0"/>
+            </a:xfrm>
+            <a:prstGeom prst="straightConnector1">
+              <a:avLst/>
+            </a:prstGeom>
+            <a:ln>
+              <a:solidFill>
+                <a:srgbClr val="FF0000"/>
+              </a:solidFill>
+              <a:tailEnd type="triangle"/>
+            </a:ln>
+          </p:spPr>
+          <p:style>
+            <a:lnRef idx="2">
+              <a:schemeClr val="accent2"/>
+            </a:lnRef>
+            <a:fillRef idx="0">
+              <a:schemeClr val="accent2"/>
+            </a:fillRef>
+            <a:effectRef idx="1">
+              <a:schemeClr val="accent2"/>
+            </a:effectRef>
+            <a:fontRef idx="minor">
+              <a:schemeClr val="tx1"/>
+            </a:fontRef>
+          </p:style>
+        </p:cxnSp>
+        <p:cxnSp>
+          <p:nvCxnSpPr>
+            <p:cNvPr id="20" name="Straight Arrow Connector 19">
+              <a:extLst>
+                <a:ext uri="{FF2B5EF4-FFF2-40B4-BE49-F238E27FC236}">
+                  <a16:creationId xmlns:a16="http://schemas.microsoft.com/office/drawing/2014/main" id="{131103A0-8219-4871-B513-483C2237FFEB}"/>
+                </a:ext>
+              </a:extLst>
+            </p:cNvPr>
+            <p:cNvCxnSpPr/>
+            <p:nvPr/>
+          </p:nvCxnSpPr>
+          <p:spPr>
+            <a:xfrm>
+              <a:off x="2418772" y="5237016"/>
+              <a:ext cx="705428" cy="0"/>
+            </a:xfrm>
+            <a:prstGeom prst="straightConnector1">
+              <a:avLst/>
+            </a:prstGeom>
+            <a:ln>
+              <a:solidFill>
+                <a:srgbClr val="FF0000"/>
+              </a:solidFill>
+              <a:tailEnd type="triangle"/>
+            </a:ln>
+          </p:spPr>
+          <p:style>
+            <a:lnRef idx="2">
+              <a:schemeClr val="accent2"/>
+            </a:lnRef>
+            <a:fillRef idx="0">
+              <a:schemeClr val="accent2"/>
+            </a:fillRef>
+            <a:effectRef idx="1">
+              <a:schemeClr val="accent2"/>
+            </a:effectRef>
+            <a:fontRef idx="minor">
+              <a:schemeClr val="tx1"/>
+            </a:fontRef>
+          </p:style>
+        </p:cxnSp>
+        <p:cxnSp>
+          <p:nvCxnSpPr>
+            <p:cNvPr id="21" name="Straight Connector 20">
+              <a:extLst>
+                <a:ext uri="{FF2B5EF4-FFF2-40B4-BE49-F238E27FC236}">
+                  <a16:creationId xmlns:a16="http://schemas.microsoft.com/office/drawing/2014/main" id="{8C054094-2F48-4833-A0BB-B6E823F32183}"/>
+                </a:ext>
+              </a:extLst>
+            </p:cNvPr>
+            <p:cNvCxnSpPr/>
+            <p:nvPr/>
+          </p:nvCxnSpPr>
+          <p:spPr>
+            <a:xfrm>
+              <a:off x="1390072" y="1752600"/>
+              <a:ext cx="1028700" cy="3484416"/>
+            </a:xfrm>
+            <a:prstGeom prst="line">
+              <a:avLst/>
+            </a:prstGeom>
+            <a:ln>
+              <a:solidFill>
+                <a:srgbClr val="FF0000"/>
+              </a:solidFill>
+            </a:ln>
+          </p:spPr>
+          <p:style>
+            <a:lnRef idx="2">
+              <a:schemeClr val="accent2"/>
+            </a:lnRef>
+            <a:fillRef idx="0">
+              <a:schemeClr val="accent2"/>
+            </a:fillRef>
+            <a:effectRef idx="1">
+              <a:schemeClr val="accent2"/>
+            </a:effectRef>
+            <a:fontRef idx="minor">
+              <a:schemeClr val="tx1"/>
+            </a:fontRef>
+          </p:style>
+        </p:cxnSp>
+        <p:sp>
+          <p:nvSpPr>
+            <p:cNvPr id="22" name="TextBox 21">
+              <a:extLst>
+                <a:ext uri="{FF2B5EF4-FFF2-40B4-BE49-F238E27FC236}">
+                  <a16:creationId xmlns:a16="http://schemas.microsoft.com/office/drawing/2014/main" id="{6BA4C77C-6673-4CC3-82B0-C1B18444ED01}"/>
+                </a:ext>
+              </a:extLst>
+            </p:cNvPr>
+            <p:cNvSpPr txBox="1"/>
+            <p:nvPr/>
+          </p:nvSpPr>
+          <p:spPr>
+            <a:xfrm>
+              <a:off x="430821" y="1197447"/>
+              <a:ext cx="1111651" cy="369332"/>
+            </a:xfrm>
+            <a:prstGeom prst="rect">
+              <a:avLst/>
+            </a:prstGeom>
+            <a:noFill/>
+          </p:spPr>
+          <p:txBody>
+            <a:bodyPr wrap="none" rtlCol="0">
+              <a:spAutoFit/>
+            </a:bodyPr>
+            <a:lstStyle/>
+            <a:p>
+              <a:r>
+                <a:rPr lang="en-US" b="1" dirty="0">
+                  <a:solidFill>
+                    <a:srgbClr val="FF0000"/>
+                  </a:solidFill>
+                </a:rPr>
+                <a:t>700 lbs/ft</a:t>
+              </a:r>
+            </a:p>
+          </p:txBody>
+        </p:sp>
+        <p:sp>
+          <p:nvSpPr>
+            <p:cNvPr id="23" name="TextBox 22">
+              <a:extLst>
+                <a:ext uri="{FF2B5EF4-FFF2-40B4-BE49-F238E27FC236}">
+                  <a16:creationId xmlns:a16="http://schemas.microsoft.com/office/drawing/2014/main" id="{94B9ADAC-4EFD-456C-B9CB-C5B0F24DA1B0}"/>
+                </a:ext>
+              </a:extLst>
+            </p:cNvPr>
+            <p:cNvSpPr txBox="1"/>
+            <p:nvPr/>
+          </p:nvSpPr>
+          <p:spPr>
+            <a:xfrm>
+              <a:off x="1312898" y="5322516"/>
+              <a:ext cx="1111651" cy="369332"/>
+            </a:xfrm>
+            <a:prstGeom prst="rect">
+              <a:avLst/>
+            </a:prstGeom>
+            <a:noFill/>
+          </p:spPr>
+          <p:txBody>
+            <a:bodyPr wrap="none" rtlCol="0">
+              <a:spAutoFit/>
+            </a:bodyPr>
+            <a:lstStyle/>
+            <a:p>
+              <a:r>
+                <a:rPr lang="en-US" b="1" dirty="0">
+                  <a:solidFill>
+                    <a:srgbClr val="FF0000"/>
+                  </a:solidFill>
+                </a:rPr>
+                <a:t>400 lbs/ft</a:t>
+              </a:r>
+            </a:p>
+          </p:txBody>
+        </p:sp>
+        <p:cxnSp>
+          <p:nvCxnSpPr>
+            <p:cNvPr id="24" name="Straight Connector 23">
+              <a:extLst>
+                <a:ext uri="{FF2B5EF4-FFF2-40B4-BE49-F238E27FC236}">
+                  <a16:creationId xmlns:a16="http://schemas.microsoft.com/office/drawing/2014/main" id="{E465AC91-8DCA-40B5-8216-41892379E393}"/>
+                </a:ext>
+              </a:extLst>
+            </p:cNvPr>
+            <p:cNvCxnSpPr/>
+            <p:nvPr/>
+          </p:nvCxnSpPr>
+          <p:spPr>
+            <a:xfrm>
+              <a:off x="3124200" y="6172200"/>
+              <a:ext cx="0" cy="381000"/>
+            </a:xfrm>
+            <a:prstGeom prst="line">
+              <a:avLst/>
+            </a:prstGeom>
+          </p:spPr>
+          <p:style>
+            <a:lnRef idx="1">
+              <a:schemeClr val="accent1"/>
+            </a:lnRef>
+            <a:fillRef idx="0">
+              <a:schemeClr val="accent1"/>
+            </a:fillRef>
+            <a:effectRef idx="0">
+              <a:schemeClr val="accent1"/>
+            </a:effectRef>
+            <a:fontRef idx="minor">
+              <a:schemeClr val="tx1"/>
+            </a:fontRef>
+          </p:style>
+        </p:cxnSp>
+        <p:cxnSp>
+          <p:nvCxnSpPr>
+            <p:cNvPr id="25" name="Straight Connector 24">
+              <a:extLst>
+                <a:ext uri="{FF2B5EF4-FFF2-40B4-BE49-F238E27FC236}">
+                  <a16:creationId xmlns:a16="http://schemas.microsoft.com/office/drawing/2014/main" id="{66A1A759-A2B3-47FD-8032-369E283FD42A}"/>
+                </a:ext>
+              </a:extLst>
+            </p:cNvPr>
+            <p:cNvCxnSpPr/>
+            <p:nvPr/>
+          </p:nvCxnSpPr>
+          <p:spPr>
+            <a:xfrm>
+              <a:off x="5798127" y="6172200"/>
+              <a:ext cx="0" cy="381000"/>
+            </a:xfrm>
+            <a:prstGeom prst="line">
+              <a:avLst/>
+            </a:prstGeom>
+          </p:spPr>
+          <p:style>
+            <a:lnRef idx="1">
+              <a:schemeClr val="accent1"/>
+            </a:lnRef>
+            <a:fillRef idx="0">
+              <a:schemeClr val="accent1"/>
+            </a:fillRef>
+            <a:effectRef idx="0">
+              <a:schemeClr val="accent1"/>
+            </a:effectRef>
+            <a:fontRef idx="minor">
+              <a:schemeClr val="tx1"/>
+            </a:fontRef>
+          </p:style>
+        </p:cxnSp>
+        <p:cxnSp>
+          <p:nvCxnSpPr>
+            <p:cNvPr id="26" name="Straight Connector 25">
+              <a:extLst>
+                <a:ext uri="{FF2B5EF4-FFF2-40B4-BE49-F238E27FC236}">
+                  <a16:creationId xmlns:a16="http://schemas.microsoft.com/office/drawing/2014/main" id="{47799ACC-2088-47BD-9DB1-52C7386183DA}"/>
+                </a:ext>
+              </a:extLst>
+            </p:cNvPr>
+            <p:cNvCxnSpPr/>
+            <p:nvPr/>
+          </p:nvCxnSpPr>
+          <p:spPr>
+            <a:xfrm flipH="1">
+              <a:off x="6019800" y="5964383"/>
+              <a:ext cx="457200" cy="0"/>
+            </a:xfrm>
+            <a:prstGeom prst="line">
+              <a:avLst/>
+            </a:prstGeom>
+          </p:spPr>
+          <p:style>
+            <a:lnRef idx="1">
+              <a:schemeClr val="accent1"/>
+            </a:lnRef>
+            <a:fillRef idx="0">
+              <a:schemeClr val="accent1"/>
+            </a:fillRef>
+            <a:effectRef idx="0">
+              <a:schemeClr val="accent1"/>
+            </a:effectRef>
+            <a:fontRef idx="minor">
+              <a:schemeClr val="tx1"/>
+            </a:fontRef>
+          </p:style>
+        </p:cxnSp>
+        <p:cxnSp>
+          <p:nvCxnSpPr>
+            <p:cNvPr id="27" name="Straight Connector 26">
+              <a:extLst>
+                <a:ext uri="{FF2B5EF4-FFF2-40B4-BE49-F238E27FC236}">
+                  <a16:creationId xmlns:a16="http://schemas.microsoft.com/office/drawing/2014/main" id="{6CD53447-033E-422F-9995-D50AC6AF67D4}"/>
+                </a:ext>
+              </a:extLst>
+            </p:cNvPr>
+            <p:cNvCxnSpPr/>
+            <p:nvPr/>
+          </p:nvCxnSpPr>
+          <p:spPr>
+            <a:xfrm flipH="1">
+              <a:off x="6019800" y="5267036"/>
+              <a:ext cx="457200" cy="0"/>
+            </a:xfrm>
+            <a:prstGeom prst="line">
+              <a:avLst/>
+            </a:prstGeom>
+          </p:spPr>
+          <p:style>
+            <a:lnRef idx="1">
+              <a:schemeClr val="accent1"/>
+            </a:lnRef>
+            <a:fillRef idx="0">
+              <a:schemeClr val="accent1"/>
+            </a:fillRef>
+            <a:effectRef idx="0">
+              <a:schemeClr val="accent1"/>
+            </a:effectRef>
+            <a:fontRef idx="minor">
+              <a:schemeClr val="tx1"/>
+            </a:fontRef>
+          </p:style>
+        </p:cxnSp>
+        <p:cxnSp>
+          <p:nvCxnSpPr>
+            <p:cNvPr id="28" name="Straight Connector 27">
+              <a:extLst>
+                <a:ext uri="{FF2B5EF4-FFF2-40B4-BE49-F238E27FC236}">
+                  <a16:creationId xmlns:a16="http://schemas.microsoft.com/office/drawing/2014/main" id="{9C6E8D1D-83B0-443D-81AC-73117218E0E6}"/>
+                </a:ext>
+              </a:extLst>
+            </p:cNvPr>
+            <p:cNvCxnSpPr/>
+            <p:nvPr/>
+          </p:nvCxnSpPr>
+          <p:spPr>
+            <a:xfrm flipH="1">
+              <a:off x="6019800" y="1764148"/>
+              <a:ext cx="457200" cy="0"/>
+            </a:xfrm>
+            <a:prstGeom prst="line">
+              <a:avLst/>
+            </a:prstGeom>
+          </p:spPr>
+          <p:style>
+            <a:lnRef idx="1">
+              <a:schemeClr val="accent1"/>
+            </a:lnRef>
+            <a:fillRef idx="0">
+              <a:schemeClr val="accent1"/>
+            </a:fillRef>
+            <a:effectRef idx="0">
+              <a:schemeClr val="accent1"/>
+            </a:effectRef>
+            <a:fontRef idx="minor">
+              <a:schemeClr val="tx1"/>
+            </a:fontRef>
+          </p:style>
+        </p:cxnSp>
+        <p:cxnSp>
+          <p:nvCxnSpPr>
+            <p:cNvPr id="29" name="Straight Connector 28">
+              <a:extLst>
+                <a:ext uri="{FF2B5EF4-FFF2-40B4-BE49-F238E27FC236}">
+                  <a16:creationId xmlns:a16="http://schemas.microsoft.com/office/drawing/2014/main" id="{DDDED794-43C9-42AA-BF62-D092AD445A22}"/>
+                </a:ext>
+              </a:extLst>
+            </p:cNvPr>
+            <p:cNvCxnSpPr/>
+            <p:nvPr/>
+          </p:nvCxnSpPr>
+          <p:spPr>
+            <a:xfrm flipH="1">
+              <a:off x="3142672" y="6362700"/>
+              <a:ext cx="2648528" cy="0"/>
+            </a:xfrm>
+            <a:prstGeom prst="line">
+              <a:avLst/>
+            </a:prstGeom>
+          </p:spPr>
+          <p:style>
+            <a:lnRef idx="1">
+              <a:schemeClr val="accent1"/>
+            </a:lnRef>
+            <a:fillRef idx="0">
+              <a:schemeClr val="accent1"/>
+            </a:fillRef>
+            <a:effectRef idx="0">
+              <a:schemeClr val="accent1"/>
+            </a:effectRef>
+            <a:fontRef idx="minor">
+              <a:schemeClr val="tx1"/>
+            </a:fontRef>
+          </p:style>
+        </p:cxnSp>
+        <p:cxnSp>
+          <p:nvCxnSpPr>
+            <p:cNvPr id="30" name="Straight Connector 29">
+              <a:extLst>
+                <a:ext uri="{FF2B5EF4-FFF2-40B4-BE49-F238E27FC236}">
+                  <a16:creationId xmlns:a16="http://schemas.microsoft.com/office/drawing/2014/main" id="{7D6FE03F-478A-4E39-9EA0-686CF744AAC3}"/>
+                </a:ext>
+              </a:extLst>
+            </p:cNvPr>
+            <p:cNvCxnSpPr/>
+            <p:nvPr/>
+          </p:nvCxnSpPr>
+          <p:spPr>
+            <a:xfrm>
+              <a:off x="6248400" y="1764148"/>
+              <a:ext cx="0" cy="4200235"/>
+            </a:xfrm>
+            <a:prstGeom prst="line">
+              <a:avLst/>
+            </a:prstGeom>
+          </p:spPr>
+          <p:style>
+            <a:lnRef idx="1">
+              <a:schemeClr val="accent1"/>
+            </a:lnRef>
+            <a:fillRef idx="0">
+              <a:schemeClr val="accent1"/>
+            </a:fillRef>
+            <a:effectRef idx="0">
+              <a:schemeClr val="accent1"/>
+            </a:effectRef>
+            <a:fontRef idx="minor">
+              <a:schemeClr val="tx1"/>
+            </a:fontRef>
+          </p:style>
+        </p:cxnSp>
+        <p:sp>
+          <p:nvSpPr>
+            <p:cNvPr id="31" name="TextBox 30">
+              <a:extLst>
+                <a:ext uri="{FF2B5EF4-FFF2-40B4-BE49-F238E27FC236}">
+                  <a16:creationId xmlns:a16="http://schemas.microsoft.com/office/drawing/2014/main" id="{9E0B4D1A-22EC-48D7-AF1F-65FA6805829A}"/>
+                </a:ext>
+              </a:extLst>
+            </p:cNvPr>
+            <p:cNvSpPr txBox="1"/>
+            <p:nvPr/>
+          </p:nvSpPr>
+          <p:spPr>
+            <a:xfrm>
+              <a:off x="5891865" y="3415146"/>
+              <a:ext cx="713069" cy="369332"/>
+            </a:xfrm>
+            <a:prstGeom prst="rect">
+              <a:avLst/>
+            </a:prstGeom>
+            <a:solidFill>
+              <a:schemeClr val="bg1"/>
+            </a:solidFill>
+          </p:spPr>
+          <p:txBody>
+            <a:bodyPr wrap="square" rtlCol="0">
+              <a:spAutoFit/>
+            </a:bodyPr>
+            <a:lstStyle/>
+            <a:p>
+              <a:pPr algn="ctr"/>
+              <a:r>
+                <a:rPr lang="en-US" dirty="0">
+                  <a:solidFill>
+                    <a:schemeClr val="accent1"/>
+                  </a:solidFill>
+                </a:rPr>
+                <a:t>9 ft</a:t>
+              </a:r>
+            </a:p>
+          </p:txBody>
+        </p:sp>
+        <p:sp>
+          <p:nvSpPr>
+            <p:cNvPr id="32" name="TextBox 31">
+              <a:extLst>
+                <a:ext uri="{FF2B5EF4-FFF2-40B4-BE49-F238E27FC236}">
+                  <a16:creationId xmlns:a16="http://schemas.microsoft.com/office/drawing/2014/main" id="{CCF50EAB-D86D-434C-A3E2-A57F19183237}"/>
+                </a:ext>
+              </a:extLst>
+            </p:cNvPr>
+            <p:cNvSpPr txBox="1"/>
+            <p:nvPr/>
+          </p:nvSpPr>
+          <p:spPr>
+            <a:xfrm>
+              <a:off x="5895328" y="5431044"/>
+              <a:ext cx="713069" cy="369332"/>
+            </a:xfrm>
+            <a:prstGeom prst="rect">
+              <a:avLst/>
+            </a:prstGeom>
+            <a:solidFill>
+              <a:schemeClr val="bg1"/>
+            </a:solidFill>
+          </p:spPr>
+          <p:txBody>
+            <a:bodyPr wrap="square" rtlCol="0">
+              <a:spAutoFit/>
+            </a:bodyPr>
+            <a:lstStyle/>
+            <a:p>
+              <a:pPr algn="ctr"/>
+              <a:r>
+                <a:rPr lang="en-US" dirty="0">
+                  <a:solidFill>
+                    <a:schemeClr val="accent1"/>
+                  </a:solidFill>
+                </a:rPr>
+                <a:t>2 ft</a:t>
+              </a:r>
+            </a:p>
+          </p:txBody>
+        </p:sp>
+        <p:sp>
+          <p:nvSpPr>
+            <p:cNvPr id="33" name="TextBox 32">
+              <a:extLst>
+                <a:ext uri="{FF2B5EF4-FFF2-40B4-BE49-F238E27FC236}">
+                  <a16:creationId xmlns:a16="http://schemas.microsoft.com/office/drawing/2014/main" id="{77DDB42F-63AF-45CA-85A4-BC1C0D794908}"/>
+                </a:ext>
+              </a:extLst>
+            </p:cNvPr>
+            <p:cNvSpPr txBox="1"/>
+            <p:nvPr/>
+          </p:nvSpPr>
+          <p:spPr>
+            <a:xfrm>
+              <a:off x="4096327" y="6183868"/>
+              <a:ext cx="713069" cy="369332"/>
+            </a:xfrm>
+            <a:prstGeom prst="rect">
+              <a:avLst/>
+            </a:prstGeom>
+            <a:solidFill>
+              <a:schemeClr val="bg1"/>
+            </a:solidFill>
+          </p:spPr>
+          <p:txBody>
+            <a:bodyPr wrap="square" rtlCol="0">
+              <a:spAutoFit/>
+            </a:bodyPr>
+            <a:lstStyle/>
+            <a:p>
+              <a:pPr algn="ctr"/>
+              <a:r>
+                <a:rPr lang="en-US" dirty="0">
+                  <a:solidFill>
+                    <a:schemeClr val="accent1"/>
+                  </a:solidFill>
+                </a:rPr>
+                <a:t>8 ft</a:t>
+              </a:r>
+            </a:p>
+          </p:txBody>
+        </p:sp>
+      </p:grpSp>
+      <p:sp>
+        <p:nvSpPr>
+          <p:cNvPr id="37" name="TextBox 36">
+            <a:extLst>
+              <a:ext uri="{FF2B5EF4-FFF2-40B4-BE49-F238E27FC236}">
+                <a16:creationId xmlns:a16="http://schemas.microsoft.com/office/drawing/2014/main" id="{688C6864-D67C-4759-8E29-961606E0DE8F}"/>
+              </a:ext>
+            </a:extLst>
+          </p:cNvPr>
+          <p:cNvSpPr txBox="1"/>
+          <p:nvPr/>
+        </p:nvSpPr>
+        <p:spPr>
+          <a:xfrm>
+            <a:off x="6354916" y="5415188"/>
+            <a:ext cx="317716" cy="369332"/>
+          </a:xfrm>
+          <a:prstGeom prst="rect">
+            <a:avLst/>
+          </a:prstGeom>
+          <a:noFill/>
+        </p:spPr>
+        <p:txBody>
+          <a:bodyPr wrap="none" rtlCol="0">
+            <a:spAutoFit/>
+          </a:bodyPr>
+          <a:lstStyle/>
+          <a:p>
+            <a:r>
+              <a:rPr lang="en-US" dirty="0"/>
+              <a:t>A</a:t>
+            </a:r>
+          </a:p>
+        </p:txBody>
+      </p:sp>
+      <p:sp>
+        <p:nvSpPr>
+          <p:cNvPr id="38" name="TextBox 37">
+            <a:extLst>
+              <a:ext uri="{FF2B5EF4-FFF2-40B4-BE49-F238E27FC236}">
+                <a16:creationId xmlns:a16="http://schemas.microsoft.com/office/drawing/2014/main" id="{05F8E393-CCB7-4B36-8010-2210D8EF62DE}"/>
+              </a:ext>
+            </a:extLst>
+          </p:cNvPr>
+          <p:cNvSpPr txBox="1"/>
+          <p:nvPr/>
+        </p:nvSpPr>
+        <p:spPr>
+          <a:xfrm>
+            <a:off x="7962900" y="5410200"/>
+            <a:ext cx="309700" cy="369332"/>
+          </a:xfrm>
+          <a:prstGeom prst="rect">
+            <a:avLst/>
+          </a:prstGeom>
+          <a:noFill/>
+        </p:spPr>
+        <p:txBody>
+          <a:bodyPr wrap="none" rtlCol="0">
+            <a:spAutoFit/>
+          </a:bodyPr>
+          <a:lstStyle/>
+          <a:p>
+            <a:r>
+              <a:rPr lang="en-US" dirty="0"/>
+              <a:t>B</a:t>
+            </a:r>
+          </a:p>
+        </p:txBody>
+      </p:sp>
+    </p:spTree>
+    <p:extLst>
+      <p:ext uri="{BB962C8B-B14F-4D97-AF65-F5344CB8AC3E}">
+        <p14:creationId xmlns:p14="http://schemas.microsoft.com/office/powerpoint/2010/main" val="2393617638"/>
       </p:ext>
     </p:extLst>
   </p:cSld>
